--- a/readme.pptx
+++ b/readme.pptx
@@ -10,7 +10,7 @@
   <p:sldIdLst>
     <p:sldId id="258" r:id="rId2"/>
     <p:sldId id="259" r:id="rId3"/>
-    <p:sldId id="257" r:id="rId4"/>
+    <p:sldId id="261" r:id="rId4"/>
   </p:sldIdLst>
   <p:sldSz cx="12192000" cy="6858000"/>
   <p:notesSz cx="6858000" cy="9144000"/>
@@ -199,7 +199,7 @@
           <a:p>
             <a:fld id="{47629541-B403-4E69-A3E1-5CDF81C50BF3}" type="datetimeFigureOut">
               <a:rPr lang="en-US" smtClean="0"/>
-              <a:t>11/26/2023</a:t>
+              <a:t>11/29/2023</a:t>
             </a:fld>
             <a:endParaRPr lang="en-US"/>
           </a:p>
@@ -613,7 +613,7 @@
           <a:p>
             <a:fld id="{FA3D5303-37BA-492F-840C-B710FC8ACC2E}" type="datetimeFigureOut">
               <a:rPr lang="en-US" smtClean="0"/>
-              <a:t>11/26/2023</a:t>
+              <a:t>11/29/2023</a:t>
             </a:fld>
             <a:endParaRPr lang="en-US"/>
           </a:p>
@@ -811,7 +811,7 @@
           <a:p>
             <a:fld id="{FA3D5303-37BA-492F-840C-B710FC8ACC2E}" type="datetimeFigureOut">
               <a:rPr lang="en-US" smtClean="0"/>
-              <a:t>11/26/2023</a:t>
+              <a:t>11/29/2023</a:t>
             </a:fld>
             <a:endParaRPr lang="en-US"/>
           </a:p>
@@ -1019,7 +1019,7 @@
           <a:p>
             <a:fld id="{FA3D5303-37BA-492F-840C-B710FC8ACC2E}" type="datetimeFigureOut">
               <a:rPr lang="en-US" smtClean="0"/>
-              <a:t>11/26/2023</a:t>
+              <a:t>11/29/2023</a:t>
             </a:fld>
             <a:endParaRPr lang="en-US"/>
           </a:p>
@@ -1217,7 +1217,7 @@
           <a:p>
             <a:fld id="{FA3D5303-37BA-492F-840C-B710FC8ACC2E}" type="datetimeFigureOut">
               <a:rPr lang="en-US" smtClean="0"/>
-              <a:t>11/26/2023</a:t>
+              <a:t>11/29/2023</a:t>
             </a:fld>
             <a:endParaRPr lang="en-US"/>
           </a:p>
@@ -1492,7 +1492,7 @@
           <a:p>
             <a:fld id="{FA3D5303-37BA-492F-840C-B710FC8ACC2E}" type="datetimeFigureOut">
               <a:rPr lang="en-US" smtClean="0"/>
-              <a:t>11/26/2023</a:t>
+              <a:t>11/29/2023</a:t>
             </a:fld>
             <a:endParaRPr lang="en-US"/>
           </a:p>
@@ -1757,7 +1757,7 @@
           <a:p>
             <a:fld id="{FA3D5303-37BA-492F-840C-B710FC8ACC2E}" type="datetimeFigureOut">
               <a:rPr lang="en-US" smtClean="0"/>
-              <a:t>11/26/2023</a:t>
+              <a:t>11/29/2023</a:t>
             </a:fld>
             <a:endParaRPr lang="en-US"/>
           </a:p>
@@ -2169,7 +2169,7 @@
           <a:p>
             <a:fld id="{FA3D5303-37BA-492F-840C-B710FC8ACC2E}" type="datetimeFigureOut">
               <a:rPr lang="en-US" smtClean="0"/>
-              <a:t>11/26/2023</a:t>
+              <a:t>11/29/2023</a:t>
             </a:fld>
             <a:endParaRPr lang="en-US"/>
           </a:p>
@@ -2310,7 +2310,7 @@
           <a:p>
             <a:fld id="{FA3D5303-37BA-492F-840C-B710FC8ACC2E}" type="datetimeFigureOut">
               <a:rPr lang="en-US" smtClean="0"/>
-              <a:t>11/26/2023</a:t>
+              <a:t>11/29/2023</a:t>
             </a:fld>
             <a:endParaRPr lang="en-US"/>
           </a:p>
@@ -2423,7 +2423,7 @@
           <a:p>
             <a:fld id="{FA3D5303-37BA-492F-840C-B710FC8ACC2E}" type="datetimeFigureOut">
               <a:rPr lang="en-US" smtClean="0"/>
-              <a:t>11/26/2023</a:t>
+              <a:t>11/29/2023</a:t>
             </a:fld>
             <a:endParaRPr lang="en-US"/>
           </a:p>
@@ -2734,7 +2734,7 @@
           <a:p>
             <a:fld id="{FA3D5303-37BA-492F-840C-B710FC8ACC2E}" type="datetimeFigureOut">
               <a:rPr lang="en-US" smtClean="0"/>
-              <a:t>11/26/2023</a:t>
+              <a:t>11/29/2023</a:t>
             </a:fld>
             <a:endParaRPr lang="en-US"/>
           </a:p>
@@ -3022,7 +3022,7 @@
           <a:p>
             <a:fld id="{FA3D5303-37BA-492F-840C-B710FC8ACC2E}" type="datetimeFigureOut">
               <a:rPr lang="en-US" smtClean="0"/>
-              <a:t>11/26/2023</a:t>
+              <a:t>11/29/2023</a:t>
             </a:fld>
             <a:endParaRPr lang="en-US"/>
           </a:p>
@@ -3263,7 +3263,7 @@
           <a:p>
             <a:fld id="{FA3D5303-37BA-492F-840C-B710FC8ACC2E}" type="datetimeFigureOut">
               <a:rPr lang="en-US" smtClean="0"/>
-              <a:t>11/26/2023</a:t>
+              <a:t>11/29/2023</a:t>
             </a:fld>
             <a:endParaRPr lang="en-US"/>
           </a:p>
@@ -3680,6 +3680,55 @@
           <a:chExt cx="0" cy="0"/>
         </a:xfrm>
       </p:grpSpPr>
+      <p:sp>
+        <p:nvSpPr>
+          <p:cNvPr id="13" name="Rectangle 12">
+            <a:extLst>
+              <a:ext uri="{FF2B5EF4-FFF2-40B4-BE49-F238E27FC236}">
+                <a16:creationId xmlns:a16="http://schemas.microsoft.com/office/drawing/2014/main" id="{7B896529-BA6B-D338-6405-7BBA4332CFFF}"/>
+              </a:ext>
+            </a:extLst>
+          </p:cNvPr>
+          <p:cNvSpPr/>
+          <p:nvPr/>
+        </p:nvSpPr>
+        <p:spPr>
+          <a:xfrm>
+            <a:off x="405517" y="0"/>
+            <a:ext cx="7781455" cy="6782463"/>
+          </a:xfrm>
+          <a:prstGeom prst="rect">
+            <a:avLst/>
+          </a:prstGeom>
+          <a:solidFill>
+            <a:schemeClr val="bg2"/>
+          </a:solidFill>
+        </p:spPr>
+        <p:style>
+          <a:lnRef idx="2">
+            <a:schemeClr val="accent1">
+              <a:shade val="15000"/>
+            </a:schemeClr>
+          </a:lnRef>
+          <a:fillRef idx="1">
+            <a:schemeClr val="accent1"/>
+          </a:fillRef>
+          <a:effectRef idx="0">
+            <a:schemeClr val="accent1"/>
+          </a:effectRef>
+          <a:fontRef idx="minor">
+            <a:schemeClr val="lt1"/>
+          </a:fontRef>
+        </p:style>
+        <p:txBody>
+          <a:bodyPr rtlCol="0" anchor="ctr"/>
+          <a:lstStyle/>
+          <a:p>
+            <a:pPr algn="ctr"/>
+            <a:endParaRPr lang="en-US"/>
+          </a:p>
+        </p:txBody>
+      </p:sp>
       <p:pic>
         <p:nvPicPr>
           <p:cNvPr id="5" name="Picture 4">
@@ -3694,22 +3743,450 @@
           </p:cNvPicPr>
           <p:nvPr/>
         </p:nvPicPr>
-        <p:blipFill>
+        <p:blipFill rotWithShape="1">
           <a:blip r:embed="rId2"/>
-          <a:stretch>
-            <a:fillRect/>
-          </a:stretch>
+          <a:srcRect l="8208" r="20049"/>
+          <a:stretch/>
         </p:blipFill>
         <p:spPr>
           <a:xfrm>
-            <a:off x="2057173" y="306659"/>
-            <a:ext cx="7203915" cy="6389637"/>
+            <a:off x="1538377" y="75537"/>
+            <a:ext cx="5168348" cy="6389637"/>
           </a:xfrm>
           <a:prstGeom prst="rect">
             <a:avLst/>
           </a:prstGeom>
         </p:spPr>
       </p:pic>
+      <p:grpSp>
+        <p:nvGrpSpPr>
+          <p:cNvPr id="2" name="Group 1">
+            <a:extLst>
+              <a:ext uri="{FF2B5EF4-FFF2-40B4-BE49-F238E27FC236}">
+                <a16:creationId xmlns:a16="http://schemas.microsoft.com/office/drawing/2014/main" id="{35D7FC54-F86A-863C-39F9-6E505B12ECD9}"/>
+              </a:ext>
+            </a:extLst>
+          </p:cNvPr>
+          <p:cNvGrpSpPr/>
+          <p:nvPr/>
+        </p:nvGrpSpPr>
+        <p:grpSpPr>
+          <a:xfrm>
+            <a:off x="8520890" y="1818052"/>
+            <a:ext cx="3568457" cy="3672604"/>
+            <a:chOff x="448987" y="186752"/>
+            <a:chExt cx="3920421" cy="4112844"/>
+          </a:xfrm>
+        </p:grpSpPr>
+        <p:grpSp>
+          <p:nvGrpSpPr>
+            <p:cNvPr id="3" name="Group 2">
+              <a:extLst>
+                <a:ext uri="{FF2B5EF4-FFF2-40B4-BE49-F238E27FC236}">
+                  <a16:creationId xmlns:a16="http://schemas.microsoft.com/office/drawing/2014/main" id="{86A172CA-87B8-F00A-386C-0062331773BA}"/>
+                </a:ext>
+              </a:extLst>
+            </p:cNvPr>
+            <p:cNvGrpSpPr/>
+            <p:nvPr/>
+          </p:nvGrpSpPr>
+          <p:grpSpPr>
+            <a:xfrm>
+              <a:off x="448987" y="542069"/>
+              <a:ext cx="2080670" cy="1281256"/>
+              <a:chOff x="448987" y="542069"/>
+              <a:chExt cx="2080670" cy="1281256"/>
+            </a:xfrm>
+          </p:grpSpPr>
+          <p:sp>
+            <p:nvSpPr>
+              <p:cNvPr id="9" name="Rectangle 8">
+                <a:extLst>
+                  <a:ext uri="{FF2B5EF4-FFF2-40B4-BE49-F238E27FC236}">
+                    <a16:creationId xmlns:a16="http://schemas.microsoft.com/office/drawing/2014/main" id="{483E627D-6511-1640-42B3-6E1A862B2C95}"/>
+                  </a:ext>
+                </a:extLst>
+              </p:cNvPr>
+              <p:cNvSpPr/>
+              <p:nvPr/>
+            </p:nvSpPr>
+            <p:spPr>
+              <a:xfrm>
+                <a:off x="448987" y="542069"/>
+                <a:ext cx="2080670" cy="1281256"/>
+              </a:xfrm>
+              <a:prstGeom prst="rect">
+                <a:avLst/>
+              </a:prstGeom>
+            </p:spPr>
+            <p:style>
+              <a:lnRef idx="3">
+                <a:schemeClr val="lt1"/>
+              </a:lnRef>
+              <a:fillRef idx="1">
+                <a:schemeClr val="accent3"/>
+              </a:fillRef>
+              <a:effectRef idx="1">
+                <a:schemeClr val="accent3"/>
+              </a:effectRef>
+              <a:fontRef idx="minor">
+                <a:schemeClr val="lt1"/>
+              </a:fontRef>
+            </p:style>
+            <p:txBody>
+              <a:bodyPr rtlCol="0" anchor="ctr"/>
+              <a:lstStyle/>
+              <a:p>
+                <a:pPr algn="ctr"/>
+                <a:endParaRPr lang="en-US" dirty="0"/>
+              </a:p>
+            </p:txBody>
+          </p:sp>
+          <p:sp>
+            <p:nvSpPr>
+              <p:cNvPr id="10" name="Rectangle: Rounded Corners 9">
+                <a:extLst>
+                  <a:ext uri="{FF2B5EF4-FFF2-40B4-BE49-F238E27FC236}">
+                    <a16:creationId xmlns:a16="http://schemas.microsoft.com/office/drawing/2014/main" id="{0DA3B64D-BA0D-F5A4-2910-D86FCB223BD6}"/>
+                  </a:ext>
+                </a:extLst>
+              </p:cNvPr>
+              <p:cNvSpPr/>
+              <p:nvPr/>
+            </p:nvSpPr>
+            <p:spPr>
+              <a:xfrm>
+                <a:off x="585873" y="672567"/>
+                <a:ext cx="1741193" cy="328527"/>
+              </a:xfrm>
+              <a:prstGeom prst="roundRect">
+                <a:avLst/>
+              </a:prstGeom>
+            </p:spPr>
+            <p:style>
+              <a:lnRef idx="2">
+                <a:schemeClr val="accent1">
+                  <a:shade val="15000"/>
+                </a:schemeClr>
+              </a:lnRef>
+              <a:fillRef idx="1">
+                <a:schemeClr val="accent1"/>
+              </a:fillRef>
+              <a:effectRef idx="0">
+                <a:schemeClr val="accent1"/>
+              </a:effectRef>
+              <a:fontRef idx="minor">
+                <a:schemeClr val="lt1"/>
+              </a:fontRef>
+            </p:style>
+            <p:txBody>
+              <a:bodyPr rtlCol="0" anchor="ctr"/>
+              <a:lstStyle/>
+              <a:p>
+                <a:pPr algn="ctr"/>
+                <a:r>
+                  <a:rPr lang="en-US" dirty="0" err="1"/>
+                  <a:t>houses_sys.sql</a:t>
+                </a:r>
+                <a:endParaRPr lang="en-US" dirty="0"/>
+              </a:p>
+            </p:txBody>
+          </p:sp>
+          <p:sp>
+            <p:nvSpPr>
+              <p:cNvPr id="11" name="Rectangle: Rounded Corners 10">
+                <a:extLst>
+                  <a:ext uri="{FF2B5EF4-FFF2-40B4-BE49-F238E27FC236}">
+                    <a16:creationId xmlns:a16="http://schemas.microsoft.com/office/drawing/2014/main" id="{B26A030E-035D-FAE4-6B4B-8EEEC6567544}"/>
+                  </a:ext>
+                </a:extLst>
+              </p:cNvPr>
+              <p:cNvSpPr/>
+              <p:nvPr/>
+            </p:nvSpPr>
+            <p:spPr>
+              <a:xfrm>
+                <a:off x="585873" y="1329621"/>
+                <a:ext cx="1741193" cy="328527"/>
+              </a:xfrm>
+              <a:prstGeom prst="roundRect">
+                <a:avLst/>
+              </a:prstGeom>
+            </p:spPr>
+            <p:style>
+              <a:lnRef idx="2">
+                <a:schemeClr val="accent1">
+                  <a:shade val="15000"/>
+                </a:schemeClr>
+              </a:lnRef>
+              <a:fillRef idx="1">
+                <a:schemeClr val="accent1"/>
+              </a:fillRef>
+              <a:effectRef idx="0">
+                <a:schemeClr val="accent1"/>
+              </a:effectRef>
+              <a:fontRef idx="minor">
+                <a:schemeClr val="lt1"/>
+              </a:fontRef>
+            </p:style>
+            <p:txBody>
+              <a:bodyPr rtlCol="0" anchor="ctr"/>
+              <a:lstStyle/>
+              <a:p>
+                <a:pPr algn="ctr"/>
+                <a:r>
+                  <a:rPr lang="en-US" dirty="0"/>
+                  <a:t>connect.py</a:t>
+                </a:r>
+              </a:p>
+            </p:txBody>
+          </p:sp>
+          <p:cxnSp>
+            <p:nvCxnSpPr>
+              <p:cNvPr id="12" name="Straight Arrow Connector 11">
+                <a:extLst>
+                  <a:ext uri="{FF2B5EF4-FFF2-40B4-BE49-F238E27FC236}">
+                    <a16:creationId xmlns:a16="http://schemas.microsoft.com/office/drawing/2014/main" id="{7CB53087-5D17-0D03-721B-6C80EE6197EE}"/>
+                  </a:ext>
+                </a:extLst>
+              </p:cNvPr>
+              <p:cNvCxnSpPr>
+                <a:cxnSpLocks/>
+              </p:cNvCxnSpPr>
+              <p:nvPr/>
+            </p:nvCxnSpPr>
+            <p:spPr>
+              <a:xfrm>
+                <a:off x="1456469" y="1001094"/>
+                <a:ext cx="0" cy="328527"/>
+              </a:xfrm>
+              <a:prstGeom prst="straightConnector1">
+                <a:avLst/>
+              </a:prstGeom>
+              <a:ln w="28575">
+                <a:tailEnd type="triangle"/>
+              </a:ln>
+            </p:spPr>
+            <p:style>
+              <a:lnRef idx="1">
+                <a:schemeClr val="accent1"/>
+              </a:lnRef>
+              <a:fillRef idx="0">
+                <a:schemeClr val="accent1"/>
+              </a:fillRef>
+              <a:effectRef idx="0">
+                <a:schemeClr val="accent1"/>
+              </a:effectRef>
+              <a:fontRef idx="minor">
+                <a:schemeClr val="tx1"/>
+              </a:fontRef>
+            </p:style>
+          </p:cxnSp>
+        </p:grpSp>
+        <p:sp>
+          <p:nvSpPr>
+            <p:cNvPr id="4" name="TextBox 3">
+              <a:extLst>
+                <a:ext uri="{FF2B5EF4-FFF2-40B4-BE49-F238E27FC236}">
+                  <a16:creationId xmlns:a16="http://schemas.microsoft.com/office/drawing/2014/main" id="{F6FF1476-E737-E449-ECE4-8B5876009E48}"/>
+                </a:ext>
+              </a:extLst>
+            </p:cNvPr>
+            <p:cNvSpPr txBox="1"/>
+            <p:nvPr/>
+          </p:nvSpPr>
+          <p:spPr>
+            <a:xfrm>
+              <a:off x="1631684" y="3429000"/>
+              <a:ext cx="2737724" cy="369332"/>
+            </a:xfrm>
+            <a:prstGeom prst="rect">
+              <a:avLst/>
+            </a:prstGeom>
+            <a:noFill/>
+          </p:spPr>
+          <p:txBody>
+            <a:bodyPr wrap="square" rtlCol="0">
+              <a:spAutoFit/>
+            </a:bodyPr>
+            <a:lstStyle/>
+            <a:p>
+              <a:r>
+                <a:rPr lang="en-US" dirty="0"/>
+                <a:t>Web application</a:t>
+              </a:r>
+            </a:p>
+          </p:txBody>
+        </p:sp>
+        <p:cxnSp>
+          <p:nvCxnSpPr>
+            <p:cNvPr id="6" name="Connector: Elbow 5">
+              <a:extLst>
+                <a:ext uri="{FF2B5EF4-FFF2-40B4-BE49-F238E27FC236}">
+                  <a16:creationId xmlns:a16="http://schemas.microsoft.com/office/drawing/2014/main" id="{27BAA4A8-6255-13F7-FF80-00F1CAD8C249}"/>
+                </a:ext>
+              </a:extLst>
+            </p:cNvPr>
+            <p:cNvCxnSpPr>
+              <a:cxnSpLocks/>
+              <a:stCxn id="9" idx="2"/>
+              <a:endCxn id="7" idx="1"/>
+            </p:cNvCxnSpPr>
+            <p:nvPr/>
+          </p:nvCxnSpPr>
+          <p:spPr>
+            <a:xfrm rot="16200000" flipH="1">
+              <a:off x="697436" y="2615210"/>
+              <a:ext cx="2257253" cy="673481"/>
+            </a:xfrm>
+            <a:prstGeom prst="bentConnector2">
+              <a:avLst/>
+            </a:prstGeom>
+            <a:ln w="38100">
+              <a:tailEnd type="triangle"/>
+            </a:ln>
+          </p:spPr>
+          <p:style>
+            <a:lnRef idx="3">
+              <a:schemeClr val="accent6"/>
+            </a:lnRef>
+            <a:fillRef idx="0">
+              <a:schemeClr val="accent6"/>
+            </a:fillRef>
+            <a:effectRef idx="2">
+              <a:schemeClr val="accent6"/>
+            </a:effectRef>
+            <a:fontRef idx="minor">
+              <a:schemeClr val="tx1"/>
+            </a:fontRef>
+          </p:style>
+        </p:cxnSp>
+        <p:sp>
+          <p:nvSpPr>
+            <p:cNvPr id="7" name="Rectangle: Rounded Corners 6">
+              <a:extLst>
+                <a:ext uri="{FF2B5EF4-FFF2-40B4-BE49-F238E27FC236}">
+                  <a16:creationId xmlns:a16="http://schemas.microsoft.com/office/drawing/2014/main" id="{476E9D6C-0460-2E7C-8470-E2848620AB72}"/>
+                </a:ext>
+              </a:extLst>
+            </p:cNvPr>
+            <p:cNvSpPr/>
+            <p:nvPr/>
+          </p:nvSpPr>
+          <p:spPr>
+            <a:xfrm>
+              <a:off x="2162803" y="3861560"/>
+              <a:ext cx="1297681" cy="438036"/>
+            </a:xfrm>
+            <a:prstGeom prst="roundRect">
+              <a:avLst/>
+            </a:prstGeom>
+          </p:spPr>
+          <p:style>
+            <a:lnRef idx="2">
+              <a:schemeClr val="accent2">
+                <a:shade val="15000"/>
+              </a:schemeClr>
+            </a:lnRef>
+            <a:fillRef idx="1">
+              <a:schemeClr val="accent2"/>
+            </a:fillRef>
+            <a:effectRef idx="0">
+              <a:schemeClr val="accent2"/>
+            </a:effectRef>
+            <a:fontRef idx="minor">
+              <a:schemeClr val="lt1"/>
+            </a:fontRef>
+          </p:style>
+          <p:txBody>
+            <a:bodyPr rtlCol="0" anchor="ctr"/>
+            <a:lstStyle/>
+            <a:p>
+              <a:pPr algn="ctr"/>
+              <a:r>
+                <a:rPr lang="en-US" dirty="0"/>
+                <a:t>Main.py</a:t>
+              </a:r>
+            </a:p>
+          </p:txBody>
+        </p:sp>
+        <p:sp>
+          <p:nvSpPr>
+            <p:cNvPr id="8" name="TextBox 7">
+              <a:extLst>
+                <a:ext uri="{FF2B5EF4-FFF2-40B4-BE49-F238E27FC236}">
+                  <a16:creationId xmlns:a16="http://schemas.microsoft.com/office/drawing/2014/main" id="{59A2A413-8A34-5C55-671F-A8AF9DCBA9D0}"/>
+                </a:ext>
+              </a:extLst>
+            </p:cNvPr>
+            <p:cNvSpPr txBox="1"/>
+            <p:nvPr/>
+          </p:nvSpPr>
+          <p:spPr>
+            <a:xfrm>
+              <a:off x="448987" y="186752"/>
+              <a:ext cx="2737724" cy="369332"/>
+            </a:xfrm>
+            <a:prstGeom prst="rect">
+              <a:avLst/>
+            </a:prstGeom>
+            <a:noFill/>
+          </p:spPr>
+          <p:txBody>
+            <a:bodyPr wrap="square" rtlCol="0">
+              <a:spAutoFit/>
+            </a:bodyPr>
+            <a:lstStyle/>
+            <a:p>
+              <a:r>
+                <a:rPr lang="en-US" dirty="0"/>
+                <a:t>Database connection</a:t>
+              </a:r>
+            </a:p>
+          </p:txBody>
+        </p:sp>
+      </p:grpSp>
+      <p:cxnSp>
+        <p:nvCxnSpPr>
+          <p:cNvPr id="15" name="Straight Arrow Connector 14">
+            <a:extLst>
+              <a:ext uri="{FF2B5EF4-FFF2-40B4-BE49-F238E27FC236}">
+                <a16:creationId xmlns:a16="http://schemas.microsoft.com/office/drawing/2014/main" id="{C9523762-9F28-1959-6953-C2BDF4737B3C}"/>
+              </a:ext>
+            </a:extLst>
+          </p:cNvPr>
+          <p:cNvCxnSpPr>
+            <a:cxnSpLocks/>
+          </p:cNvCxnSpPr>
+          <p:nvPr/>
+        </p:nvCxnSpPr>
+        <p:spPr>
+          <a:xfrm>
+            <a:off x="6706725" y="2413192"/>
+            <a:ext cx="1938762" cy="0"/>
+          </a:xfrm>
+          <a:prstGeom prst="straightConnector1">
+            <a:avLst/>
+          </a:prstGeom>
+          <a:ln w="28575">
+            <a:tailEnd type="triangle"/>
+          </a:ln>
+        </p:spPr>
+        <p:style>
+          <a:lnRef idx="1">
+            <a:schemeClr val="accent6"/>
+          </a:lnRef>
+          <a:fillRef idx="0">
+            <a:schemeClr val="accent6"/>
+          </a:fillRef>
+          <a:effectRef idx="0">
+            <a:schemeClr val="accent6"/>
+          </a:effectRef>
+          <a:fontRef idx="minor">
+            <a:schemeClr val="tx1"/>
+          </a:fontRef>
+        </p:style>
+      </p:cxnSp>
     </p:spTree>
     <p:extLst>
       <p:ext uri="{BB962C8B-B14F-4D97-AF65-F5344CB8AC3E}">
@@ -6796,7 +7273,7 @@
         <p:spPr>
           <a:xfrm>
             <a:off x="5658139" y="3108159"/>
-            <a:ext cx="1187514" cy="307015"/>
+            <a:ext cx="1187514" cy="363857"/>
           </a:xfrm>
           <a:prstGeom prst="roundRect">
             <a:avLst/>
@@ -7056,8 +7533,8 @@
         </p:nvSpPr>
         <p:spPr>
           <a:xfrm>
-            <a:off x="4081446" y="5920731"/>
-            <a:ext cx="1129606" cy="369332"/>
+            <a:off x="3998798" y="5920731"/>
+            <a:ext cx="1212254" cy="369332"/>
           </a:xfrm>
           <a:prstGeom prst="roundRect">
             <a:avLst/>
@@ -7110,9 +7587,9 @@
           <p:nvPr/>
         </p:nvCxnSpPr>
         <p:spPr>
-          <a:xfrm flipV="1">
-            <a:off x="5115416" y="3261667"/>
-            <a:ext cx="542723" cy="20014"/>
+          <a:xfrm>
+            <a:off x="5115416" y="3281681"/>
+            <a:ext cx="542723" cy="8407"/>
           </a:xfrm>
           <a:prstGeom prst="line">
             <a:avLst/>
@@ -7254,8 +7731,8 @@
         </p:nvSpPr>
         <p:spPr>
           <a:xfrm>
-            <a:off x="5637898" y="3981312"/>
-            <a:ext cx="1123144" cy="369332"/>
+            <a:off x="5637897" y="3981312"/>
+            <a:ext cx="1176455" cy="369332"/>
           </a:xfrm>
           <a:prstGeom prst="roundRect">
             <a:avLst/>
@@ -7310,7 +7787,7 @@
         <p:spPr>
           <a:xfrm flipV="1">
             <a:off x="5213483" y="4165978"/>
-            <a:ext cx="424415" cy="15158"/>
+            <a:ext cx="424414" cy="15158"/>
           </a:xfrm>
           <a:prstGeom prst="line">
             <a:avLst/>
@@ -7358,8 +7835,8 @@
         </p:nvCxnSpPr>
         <p:spPr>
           <a:xfrm>
-            <a:off x="6845653" y="3261667"/>
-            <a:ext cx="656683" cy="515201"/>
+            <a:off x="6845653" y="3290088"/>
+            <a:ext cx="656683" cy="486780"/>
           </a:xfrm>
           <a:prstGeom prst="straightConnector1">
             <a:avLst/>
@@ -7444,8 +7921,8 @@
         </p:nvCxnSpPr>
         <p:spPr>
           <a:xfrm flipV="1">
-            <a:off x="6761042" y="3776868"/>
-            <a:ext cx="741294" cy="389110"/>
+            <a:off x="6814352" y="3776868"/>
+            <a:ext cx="687984" cy="389110"/>
           </a:xfrm>
           <a:prstGeom prst="straightConnector1">
             <a:avLst/>
@@ -7531,9 +8008,9 @@
           <p:nvPr/>
         </p:nvCxnSpPr>
         <p:spPr>
-          <a:xfrm flipV="1">
-            <a:off x="5211052" y="4611418"/>
-            <a:ext cx="424415" cy="15158"/>
+          <a:xfrm>
+            <a:off x="5211052" y="4626576"/>
+            <a:ext cx="404837" cy="7310"/>
           </a:xfrm>
           <a:prstGeom prst="line">
             <a:avLst/>
@@ -7578,7 +8055,7 @@
         <p:spPr>
           <a:xfrm>
             <a:off x="5630017" y="4925232"/>
-            <a:ext cx="1123144" cy="293416"/>
+            <a:ext cx="1215636" cy="293416"/>
           </a:xfrm>
           <a:prstGeom prst="roundRect">
             <a:avLst/>
@@ -7830,8 +8307,8 @@
         </p:nvCxnSpPr>
         <p:spPr>
           <a:xfrm>
-            <a:off x="6753161" y="5071940"/>
-            <a:ext cx="749175" cy="44370"/>
+            <a:off x="6845653" y="5071940"/>
+            <a:ext cx="656683" cy="44370"/>
           </a:xfrm>
           <a:prstGeom prst="straightConnector1">
             <a:avLst/>
@@ -8374,6 +8851,50 @@
           <a:chExt cx="0" cy="0"/>
         </a:xfrm>
       </p:grpSpPr>
+      <p:sp>
+        <p:nvSpPr>
+          <p:cNvPr id="122" name="Rectangle 121">
+            <a:extLst>
+              <a:ext uri="{FF2B5EF4-FFF2-40B4-BE49-F238E27FC236}">
+                <a16:creationId xmlns:a16="http://schemas.microsoft.com/office/drawing/2014/main" id="{49072259-8674-7ADA-0EE9-5BF1D4B2CBB1}"/>
+              </a:ext>
+            </a:extLst>
+          </p:cNvPr>
+          <p:cNvSpPr/>
+          <p:nvPr/>
+        </p:nvSpPr>
+        <p:spPr>
+          <a:xfrm>
+            <a:off x="10020586" y="-21087"/>
+            <a:ext cx="2209813" cy="6879087"/>
+          </a:xfrm>
+          <a:prstGeom prst="rect">
+            <a:avLst/>
+          </a:prstGeom>
+        </p:spPr>
+        <p:style>
+          <a:lnRef idx="1">
+            <a:schemeClr val="accent5"/>
+          </a:lnRef>
+          <a:fillRef idx="2">
+            <a:schemeClr val="accent5"/>
+          </a:fillRef>
+          <a:effectRef idx="1">
+            <a:schemeClr val="accent5"/>
+          </a:effectRef>
+          <a:fontRef idx="minor">
+            <a:schemeClr val="dk1"/>
+          </a:fontRef>
+        </p:style>
+        <p:txBody>
+          <a:bodyPr rtlCol="0" anchor="ctr"/>
+          <a:lstStyle/>
+          <a:p>
+            <a:pPr algn="ctr"/>
+            <a:endParaRPr lang="en-US"/>
+          </a:p>
+        </p:txBody>
+      </p:sp>
       <p:sp>
         <p:nvSpPr>
           <p:cNvPr id="27" name="Rectangle 26">
@@ -8820,8 +9341,8 @@
         </p:nvSpPr>
         <p:spPr>
           <a:xfrm>
-            <a:off x="3890216" y="265877"/>
-            <a:ext cx="1408636" cy="6528974"/>
+            <a:off x="3895724" y="311559"/>
+            <a:ext cx="1408636" cy="6415415"/>
           </a:xfrm>
           <a:prstGeom prst="roundRect">
             <a:avLst/>
@@ -9017,10 +9538,10 @@
       </p:cxnSp>
       <p:sp>
         <p:nvSpPr>
-          <p:cNvPr id="2" name="Rectangle: Rounded Corners 1">
-            <a:extLst>
-              <a:ext uri="{FF2B5EF4-FFF2-40B4-BE49-F238E27FC236}">
-                <a16:creationId xmlns:a16="http://schemas.microsoft.com/office/drawing/2014/main" id="{F6F8FA8F-A495-593F-BA05-7CCA865B92E3}"/>
+          <p:cNvPr id="3" name="Rectangle: Rounded Corners 2">
+            <a:extLst>
+              <a:ext uri="{FF2B5EF4-FFF2-40B4-BE49-F238E27FC236}">
+                <a16:creationId xmlns:a16="http://schemas.microsoft.com/office/drawing/2014/main" id="{C1C4F794-15B2-AE39-5A06-122AFC3CBCE4}"/>
               </a:ext>
             </a:extLst>
           </p:cNvPr>
@@ -9029,77 +9550,8 @@
         </p:nvSpPr>
         <p:spPr>
           <a:xfrm>
-            <a:off x="4069261" y="2267488"/>
-            <a:ext cx="944755" cy="320082"/>
-          </a:xfrm>
-          <a:prstGeom prst="roundRect">
-            <a:avLst/>
-          </a:prstGeom>
-        </p:spPr>
-        <p:style>
-          <a:lnRef idx="2">
-            <a:schemeClr val="accent2"/>
-          </a:lnRef>
-          <a:fillRef idx="1">
-            <a:schemeClr val="lt1"/>
-          </a:fillRef>
-          <a:effectRef idx="0">
-            <a:schemeClr val="accent2"/>
-          </a:effectRef>
-          <a:fontRef idx="minor">
-            <a:schemeClr val="dk1"/>
-          </a:fontRef>
-        </p:style>
-        <p:txBody>
-          <a:bodyPr rtlCol="0" anchor="ctr"/>
-          <a:lstStyle/>
-          <a:p>
-            <a:r>
-              <a:rPr lang="en-US" sz="1400" b="0" dirty="0">
-                <a:solidFill>
-                  <a:schemeClr val="tx1"/>
-                </a:solidFill>
-                <a:effectLst/>
-                <a:latin typeface="Consolas" panose="020B0609020204030204" pitchFamily="49" charset="0"/>
-              </a:rPr>
-              <a:t> </a:t>
-            </a:r>
-            <a:r>
-              <a:rPr lang="en-US" sz="1200" b="0" dirty="0">
-                <a:solidFill>
-                  <a:schemeClr val="tx1"/>
-                </a:solidFill>
-                <a:effectLst/>
-                <a:latin typeface="Consolas" panose="020B0609020204030204" pitchFamily="49" charset="0"/>
-              </a:rPr>
-              <a:t>/home</a:t>
-            </a:r>
-            <a:endParaRPr lang="en-US" sz="1400" b="0" dirty="0">
-              <a:solidFill>
-                <a:schemeClr val="tx1"/>
-              </a:solidFill>
-              <a:effectLst/>
-              <a:latin typeface="Consolas" panose="020B0609020204030204" pitchFamily="49" charset="0"/>
-            </a:endParaRPr>
-          </a:p>
-        </p:txBody>
-      </p:sp>
-      <p:sp>
-        <p:nvSpPr>
-          <p:cNvPr id="3" name="Rectangle: Rounded Corners 2">
-            <a:extLst>
-              <a:ext uri="{FF2B5EF4-FFF2-40B4-BE49-F238E27FC236}">
-                <a16:creationId xmlns:a16="http://schemas.microsoft.com/office/drawing/2014/main" id="{C1C4F794-15B2-AE39-5A06-122AFC3CBCE4}"/>
-              </a:ext>
-            </a:extLst>
-          </p:cNvPr>
-          <p:cNvSpPr/>
-          <p:nvPr/>
-        </p:nvSpPr>
-        <p:spPr>
-          <a:xfrm>
-            <a:off x="4108559" y="974689"/>
-            <a:ext cx="944755" cy="314264"/>
+            <a:off x="4108559" y="974688"/>
+            <a:ext cx="944755" cy="815163"/>
           </a:xfrm>
           <a:prstGeom prst="roundRect">
             <a:avLst/>
@@ -9134,64 +9586,79 @@
           </a:p>
           <a:p>
             <a:pPr algn="ctr"/>
-            <a:r>
-              <a:rPr lang="en-US" sz="1200" b="0" dirty="0">
+            <a:endParaRPr lang="en-US" sz="1000" b="0" dirty="0">
+              <a:solidFill>
+                <a:schemeClr val="tx1"/>
+              </a:solidFill>
+              <a:effectLst/>
+              <a:latin typeface="Consolas" panose="020B0609020204030204" pitchFamily="49" charset="0"/>
+            </a:endParaRPr>
+          </a:p>
+          <a:p>
+            <a:pPr algn="ctr"/>
+            <a:endParaRPr lang="en-US" sz="1000" dirty="0">
+              <a:solidFill>
+                <a:schemeClr val="tx1"/>
+              </a:solidFill>
+              <a:latin typeface="Consolas" panose="020B0609020204030204" pitchFamily="49" charset="0"/>
+            </a:endParaRPr>
+          </a:p>
+          <a:p>
+            <a:pPr algn="ctr"/>
+            <a:r>
+              <a:rPr lang="en-US" sz="1000" b="0" dirty="0">
                 <a:solidFill>
                   <a:schemeClr val="tx1"/>
                 </a:solidFill>
                 <a:effectLst/>
                 <a:latin typeface="Consolas" panose="020B0609020204030204" pitchFamily="49" charset="0"/>
               </a:rPr>
-              <a:t>/login/</a:t>
+              <a:t>/</a:t>
+            </a:r>
+            <a:r>
+              <a:rPr lang="en-US" sz="1000" b="0" dirty="0" err="1">
+                <a:solidFill>
+                  <a:schemeClr val="tx1"/>
+                </a:solidFill>
+                <a:effectLst/>
+                <a:latin typeface="Consolas" panose="020B0609020204030204" pitchFamily="49" charset="0"/>
+              </a:rPr>
+              <a:t>edit_customer_page</a:t>
+            </a:r>
+            <a:r>
+              <a:rPr lang="en-US" sz="1000" b="0" dirty="0">
+                <a:solidFill>
+                  <a:schemeClr val="tx1"/>
+                </a:solidFill>
+                <a:effectLst/>
+                <a:latin typeface="Consolas" panose="020B0609020204030204" pitchFamily="49" charset="0"/>
+              </a:rPr>
+              <a:t>/&lt;</a:t>
+            </a:r>
+            <a:r>
+              <a:rPr lang="en-US" sz="1000" b="0" dirty="0" err="1">
+                <a:solidFill>
+                  <a:schemeClr val="tx1"/>
+                </a:solidFill>
+                <a:effectLst/>
+                <a:latin typeface="Consolas" panose="020B0609020204030204" pitchFamily="49" charset="0"/>
+              </a:rPr>
+              <a:t>int:customer_id</a:t>
+            </a:r>
+            <a:r>
+              <a:rPr lang="en-US" sz="1000" b="0" dirty="0">
+                <a:solidFill>
+                  <a:schemeClr val="tx1"/>
+                </a:solidFill>
+                <a:effectLst/>
+                <a:latin typeface="Consolas" panose="020B0609020204030204" pitchFamily="49" charset="0"/>
+              </a:rPr>
+              <a:t>&gt;</a:t>
             </a:r>
           </a:p>
           <a:p>
             <a:pPr algn="ctr"/>
-            <a:endParaRPr lang="en-US" dirty="0"/>
-          </a:p>
-        </p:txBody>
-      </p:sp>
-      <p:sp>
-        <p:nvSpPr>
-          <p:cNvPr id="6" name="Rectangle: Rounded Corners 5">
-            <a:extLst>
-              <a:ext uri="{FF2B5EF4-FFF2-40B4-BE49-F238E27FC236}">
-                <a16:creationId xmlns:a16="http://schemas.microsoft.com/office/drawing/2014/main" id="{E09D6662-E4D7-B9F1-3F73-AF98C242B613}"/>
-              </a:ext>
-            </a:extLst>
-          </p:cNvPr>
-          <p:cNvSpPr/>
-          <p:nvPr/>
-        </p:nvSpPr>
-        <p:spPr>
-          <a:xfrm>
-            <a:off x="4083673" y="1438123"/>
-            <a:ext cx="944755" cy="314264"/>
-          </a:xfrm>
-          <a:prstGeom prst="roundRect">
-            <a:avLst/>
-          </a:prstGeom>
-        </p:spPr>
-        <p:style>
-          <a:lnRef idx="2">
-            <a:schemeClr val="accent2"/>
-          </a:lnRef>
-          <a:fillRef idx="1">
-            <a:schemeClr val="lt1"/>
-          </a:fillRef>
-          <a:effectRef idx="0">
-            <a:schemeClr val="accent2"/>
-          </a:effectRef>
-          <a:fontRef idx="minor">
-            <a:schemeClr val="dk1"/>
-          </a:fontRef>
-        </p:style>
-        <p:txBody>
-          <a:bodyPr rtlCol="0" anchor="ctr"/>
-          <a:lstStyle/>
-          <a:p>
-            <a:pPr algn="ctr"/>
-            <a:endParaRPr lang="en-US" sz="1400" b="0" dirty="0">
+            <a:endParaRPr lang="en-US" sz="1200" b="0" dirty="0">
               <a:solidFill>
                 <a:schemeClr val="tx1"/>
               </a:solidFill>
@@ -9201,67 +9668,76 @@
           </a:p>
           <a:p>
             <a:pPr algn="ctr"/>
-            <a:r>
-              <a:rPr lang="en-US" sz="1200" b="0" dirty="0">
+            <a:endParaRPr lang="en-US" dirty="0"/>
+          </a:p>
+        </p:txBody>
+      </p:sp>
+      <p:sp>
+        <p:nvSpPr>
+          <p:cNvPr id="7" name="Rectangle: Rounded Corners 6">
+            <a:extLst>
+              <a:ext uri="{FF2B5EF4-FFF2-40B4-BE49-F238E27FC236}">
+                <a16:creationId xmlns:a16="http://schemas.microsoft.com/office/drawing/2014/main" id="{194C22D8-2E46-1A2E-3F15-073722EA8945}"/>
+              </a:ext>
+            </a:extLst>
+          </p:cNvPr>
+          <p:cNvSpPr/>
+          <p:nvPr/>
+        </p:nvSpPr>
+        <p:spPr>
+          <a:xfrm>
+            <a:off x="4076770" y="1859297"/>
+            <a:ext cx="944755" cy="764992"/>
+          </a:xfrm>
+          <a:prstGeom prst="roundRect">
+            <a:avLst/>
+          </a:prstGeom>
+        </p:spPr>
+        <p:style>
+          <a:lnRef idx="2">
+            <a:schemeClr val="accent2"/>
+          </a:lnRef>
+          <a:fillRef idx="1">
+            <a:schemeClr val="lt1"/>
+          </a:fillRef>
+          <a:effectRef idx="0">
+            <a:schemeClr val="accent2"/>
+          </a:effectRef>
+          <a:fontRef idx="minor">
+            <a:schemeClr val="dk1"/>
+          </a:fontRef>
+        </p:style>
+        <p:txBody>
+          <a:bodyPr rtlCol="0" anchor="ctr"/>
+          <a:lstStyle/>
+          <a:p>
+            <a:r>
+              <a:rPr lang="en-US" sz="1100" b="0" dirty="0">
                 <a:solidFill>
                   <a:schemeClr val="tx1"/>
                 </a:solidFill>
                 <a:effectLst/>
                 <a:latin typeface="Consolas" panose="020B0609020204030204" pitchFamily="49" charset="0"/>
               </a:rPr>
-              <a:t>/logout</a:t>
-            </a:r>
-          </a:p>
-          <a:p>
-            <a:pPr algn="ctr"/>
-            <a:endParaRPr lang="en-US" dirty="0"/>
-          </a:p>
-        </p:txBody>
-      </p:sp>
-      <p:sp>
-        <p:nvSpPr>
-          <p:cNvPr id="7" name="Rectangle: Rounded Corners 6">
-            <a:extLst>
-              <a:ext uri="{FF2B5EF4-FFF2-40B4-BE49-F238E27FC236}">
-                <a16:creationId xmlns:a16="http://schemas.microsoft.com/office/drawing/2014/main" id="{194C22D8-2E46-1A2E-3F15-073722EA8945}"/>
-              </a:ext>
-            </a:extLst>
-          </p:cNvPr>
-          <p:cNvSpPr/>
-          <p:nvPr/>
-        </p:nvSpPr>
-        <p:spPr>
-          <a:xfrm>
-            <a:off x="4076770" y="1859297"/>
-            <a:ext cx="944755" cy="320082"/>
-          </a:xfrm>
-          <a:prstGeom prst="roundRect">
-            <a:avLst/>
-          </a:prstGeom>
-        </p:spPr>
-        <p:style>
-          <a:lnRef idx="2">
-            <a:schemeClr val="accent2"/>
-          </a:lnRef>
-          <a:fillRef idx="1">
-            <a:schemeClr val="lt1"/>
-          </a:fillRef>
-          <a:effectRef idx="0">
-            <a:schemeClr val="accent2"/>
-          </a:effectRef>
-          <a:fontRef idx="minor">
-            <a:schemeClr val="dk1"/>
-          </a:fontRef>
-        </p:style>
-        <p:txBody>
-          <a:bodyPr rtlCol="0" anchor="ctr"/>
-          <a:lstStyle/>
-          <a:p>
-            <a:pPr algn="ctr"/>
-            <a:r>
-              <a:rPr lang="en-US" sz="1200" dirty="0"/>
-              <a:t>/register</a:t>
-            </a:r>
+              <a:t>/</a:t>
+            </a:r>
+            <a:r>
+              <a:rPr lang="en-US" sz="1100" b="0" dirty="0" err="1">
+                <a:solidFill>
+                  <a:schemeClr val="tx1"/>
+                </a:solidFill>
+                <a:effectLst/>
+                <a:latin typeface="Consolas" panose="020B0609020204030204" pitchFamily="49" charset="0"/>
+              </a:rPr>
+              <a:t>edit_customer_add</a:t>
+            </a:r>
+            <a:endParaRPr lang="en-US" sz="1100" b="0" dirty="0">
+              <a:solidFill>
+                <a:schemeClr val="tx1"/>
+              </a:solidFill>
+              <a:effectLst/>
+              <a:latin typeface="Consolas" panose="020B0609020204030204" pitchFamily="49" charset="0"/>
+            </a:endParaRPr>
           </a:p>
         </p:txBody>
       </p:sp>
@@ -9314,9 +9790,8 @@
             </a:endParaRPr>
           </a:p>
           <a:p>
-            <a:pPr algn="ctr"/>
-            <a:r>
-              <a:rPr lang="en-US" sz="1200" b="0" dirty="0">
+            <a:r>
+              <a:rPr lang="en-US" sz="1100" b="0" dirty="0">
                 <a:solidFill>
                   <a:schemeClr val="tx1"/>
                 </a:solidFill>
@@ -9325,222 +9800,17 @@
               </a:rPr>
               <a:t>/</a:t>
             </a:r>
-          </a:p>
-          <a:p>
-            <a:pPr algn="ctr"/>
-            <a:endParaRPr lang="en-US" dirty="0"/>
-          </a:p>
-        </p:txBody>
-      </p:sp>
-      <p:sp>
-        <p:nvSpPr>
-          <p:cNvPr id="10" name="Rectangle: Rounded Corners 9">
-            <a:extLst>
-              <a:ext uri="{FF2B5EF4-FFF2-40B4-BE49-F238E27FC236}">
-                <a16:creationId xmlns:a16="http://schemas.microsoft.com/office/drawing/2014/main" id="{ECBB1401-68B8-35E6-BE61-BECF5D040746}"/>
-              </a:ext>
-            </a:extLst>
-          </p:cNvPr>
-          <p:cNvSpPr/>
-          <p:nvPr/>
-        </p:nvSpPr>
-        <p:spPr>
-          <a:xfrm>
-            <a:off x="4081484" y="2699215"/>
-            <a:ext cx="998904" cy="307768"/>
-          </a:xfrm>
-          <a:prstGeom prst="roundRect">
-            <a:avLst/>
-          </a:prstGeom>
-        </p:spPr>
-        <p:style>
-          <a:lnRef idx="2">
-            <a:schemeClr val="accent2"/>
-          </a:lnRef>
-          <a:fillRef idx="1">
-            <a:schemeClr val="lt1"/>
-          </a:fillRef>
-          <a:effectRef idx="0">
-            <a:schemeClr val="accent2"/>
-          </a:effectRef>
-          <a:fontRef idx="minor">
-            <a:schemeClr val="dk1"/>
-          </a:fontRef>
-        </p:style>
-        <p:txBody>
-          <a:bodyPr rtlCol="0" anchor="ctr"/>
-          <a:lstStyle/>
-          <a:p>
-            <a:pPr algn="ctr"/>
-            <a:r>
-              <a:rPr lang="en-US" sz="1200" dirty="0"/>
-              <a:t>/</a:t>
-            </a:r>
-            <a:r>
-              <a:rPr lang="en-US" sz="1200" dirty="0" err="1"/>
-              <a:t>staffhome</a:t>
-            </a:r>
-            <a:endParaRPr lang="en-US" sz="1200" dirty="0"/>
-          </a:p>
-        </p:txBody>
-      </p:sp>
-      <p:sp>
-        <p:nvSpPr>
-          <p:cNvPr id="11" name="Rectangle: Rounded Corners 10">
-            <a:extLst>
-              <a:ext uri="{FF2B5EF4-FFF2-40B4-BE49-F238E27FC236}">
-                <a16:creationId xmlns:a16="http://schemas.microsoft.com/office/drawing/2014/main" id="{2997BEDD-A7C7-EEDB-6352-2510100A2078}"/>
-              </a:ext>
-            </a:extLst>
-          </p:cNvPr>
-          <p:cNvSpPr/>
-          <p:nvPr/>
-        </p:nvSpPr>
-        <p:spPr>
-          <a:xfrm>
-            <a:off x="4094212" y="3162649"/>
-            <a:ext cx="1000935" cy="233901"/>
-          </a:xfrm>
-          <a:prstGeom prst="roundRect">
-            <a:avLst/>
-          </a:prstGeom>
-        </p:spPr>
-        <p:style>
-          <a:lnRef idx="2">
-            <a:schemeClr val="accent2"/>
-          </a:lnRef>
-          <a:fillRef idx="1">
-            <a:schemeClr val="lt1"/>
-          </a:fillRef>
-          <a:effectRef idx="0">
-            <a:schemeClr val="accent2"/>
-          </a:effectRef>
-          <a:fontRef idx="minor">
-            <a:schemeClr val="dk1"/>
-          </a:fontRef>
-        </p:style>
-        <p:txBody>
-          <a:bodyPr rtlCol="0" anchor="ctr"/>
-          <a:lstStyle/>
-          <a:p>
-            <a:pPr algn="ctr"/>
-            <a:endParaRPr lang="en-US" sz="1200" dirty="0"/>
-          </a:p>
-          <a:p>
-            <a:pPr algn="ctr"/>
-            <a:endParaRPr lang="en-US" sz="1200" dirty="0"/>
-          </a:p>
-          <a:p>
-            <a:pPr algn="ctr"/>
-            <a:r>
-              <a:rPr lang="en-US" sz="1200" dirty="0"/>
-              <a:t>/</a:t>
-            </a:r>
-            <a:r>
-              <a:rPr lang="en-US" sz="1200" dirty="0" err="1"/>
-              <a:t>add_house</a:t>
-            </a:r>
-            <a:endParaRPr lang="en-US" sz="1200" dirty="0"/>
-          </a:p>
-          <a:p>
-            <a:pPr algn="ctr"/>
-            <a:endParaRPr lang="en-US" dirty="0"/>
-          </a:p>
-        </p:txBody>
-      </p:sp>
-      <p:sp>
-        <p:nvSpPr>
-          <p:cNvPr id="15" name="Rectangle: Rounded Corners 14">
-            <a:extLst>
-              <a:ext uri="{FF2B5EF4-FFF2-40B4-BE49-F238E27FC236}">
-                <a16:creationId xmlns:a16="http://schemas.microsoft.com/office/drawing/2014/main" id="{7261F145-23B9-C366-29F3-298B0FED809B}"/>
-              </a:ext>
-            </a:extLst>
-          </p:cNvPr>
-          <p:cNvSpPr/>
-          <p:nvPr/>
-        </p:nvSpPr>
-        <p:spPr>
-          <a:xfrm>
-            <a:off x="4103551" y="3531889"/>
-            <a:ext cx="1010621" cy="369332"/>
-          </a:xfrm>
-          <a:prstGeom prst="roundRect">
-            <a:avLst/>
-          </a:prstGeom>
-        </p:spPr>
-        <p:style>
-          <a:lnRef idx="2">
-            <a:schemeClr val="accent2"/>
-          </a:lnRef>
-          <a:fillRef idx="1">
-            <a:schemeClr val="lt1"/>
-          </a:fillRef>
-          <a:effectRef idx="0">
-            <a:schemeClr val="accent2"/>
-          </a:effectRef>
-          <a:fontRef idx="minor">
-            <a:schemeClr val="dk1"/>
-          </a:fontRef>
-        </p:style>
-        <p:txBody>
-          <a:bodyPr rtlCol="0" anchor="ctr"/>
-          <a:lstStyle/>
-          <a:p>
-            <a:pPr algn="ctr"/>
-            <a:r>
-              <a:rPr lang="en-US" sz="1200" dirty="0"/>
-              <a:t>/</a:t>
-            </a:r>
-            <a:r>
-              <a:rPr lang="en-US" sz="1200" dirty="0" err="1"/>
-              <a:t>edit_house</a:t>
-            </a:r>
-            <a:endParaRPr lang="en-US" sz="1200" dirty="0"/>
-          </a:p>
-        </p:txBody>
-      </p:sp>
-      <p:sp>
-        <p:nvSpPr>
-          <p:cNvPr id="17" name="Rectangle: Rounded Corners 16">
-            <a:extLst>
-              <a:ext uri="{FF2B5EF4-FFF2-40B4-BE49-F238E27FC236}">
-                <a16:creationId xmlns:a16="http://schemas.microsoft.com/office/drawing/2014/main" id="{E10FFF6E-3DD3-73EB-4DEA-A381A4889A92}"/>
-              </a:ext>
-            </a:extLst>
-          </p:cNvPr>
-          <p:cNvSpPr/>
-          <p:nvPr/>
-        </p:nvSpPr>
-        <p:spPr>
-          <a:xfrm>
-            <a:off x="5694307" y="512499"/>
-            <a:ext cx="944755" cy="287954"/>
-          </a:xfrm>
-          <a:prstGeom prst="roundRect">
-            <a:avLst/>
-          </a:prstGeom>
-        </p:spPr>
-        <p:style>
-          <a:lnRef idx="2">
-            <a:schemeClr val="accent2"/>
-          </a:lnRef>
-          <a:fillRef idx="1">
-            <a:schemeClr val="lt1"/>
-          </a:fillRef>
-          <a:effectRef idx="0">
-            <a:schemeClr val="accent2"/>
-          </a:effectRef>
-          <a:fontRef idx="minor">
-            <a:schemeClr val="dk1"/>
-          </a:fontRef>
-        </p:style>
-        <p:txBody>
-          <a:bodyPr rtlCol="0" anchor="ctr"/>
-          <a:lstStyle/>
-          <a:p>
-            <a:pPr algn="ctr"/>
-            <a:endParaRPr lang="en-US" sz="1600" b="0" dirty="0">
+            <a:r>
+              <a:rPr lang="en-US" sz="1100" b="0" dirty="0" err="1">
+                <a:solidFill>
+                  <a:schemeClr val="tx1"/>
+                </a:solidFill>
+                <a:effectLst/>
+                <a:latin typeface="Consolas" panose="020B0609020204030204" pitchFamily="49" charset="0"/>
+              </a:rPr>
+              <a:t>editcustomer</a:t>
+            </a:r>
+            <a:endParaRPr lang="en-US" sz="1100" b="0" dirty="0">
               <a:solidFill>
                 <a:schemeClr val="tx1"/>
               </a:solidFill>
@@ -9550,184 +9820,133 @@
           </a:p>
           <a:p>
             <a:pPr algn="ctr"/>
-            <a:r>
-              <a:rPr lang="en-US" sz="1200" b="0" dirty="0">
+            <a:endParaRPr lang="en-US" dirty="0"/>
+          </a:p>
+        </p:txBody>
+      </p:sp>
+      <p:sp>
+        <p:nvSpPr>
+          <p:cNvPr id="11" name="Rectangle: Rounded Corners 10">
+            <a:extLst>
+              <a:ext uri="{FF2B5EF4-FFF2-40B4-BE49-F238E27FC236}">
+                <a16:creationId xmlns:a16="http://schemas.microsoft.com/office/drawing/2014/main" id="{2997BEDD-A7C7-EEDB-6352-2510100A2078}"/>
+              </a:ext>
+            </a:extLst>
+          </p:cNvPr>
+          <p:cNvSpPr/>
+          <p:nvPr/>
+        </p:nvSpPr>
+        <p:spPr>
+          <a:xfrm>
+            <a:off x="4094212" y="2693735"/>
+            <a:ext cx="1000935" cy="702816"/>
+          </a:xfrm>
+          <a:prstGeom prst="roundRect">
+            <a:avLst/>
+          </a:prstGeom>
+        </p:spPr>
+        <p:style>
+          <a:lnRef idx="2">
+            <a:schemeClr val="accent2"/>
+          </a:lnRef>
+          <a:fillRef idx="1">
+            <a:schemeClr val="lt1"/>
+          </a:fillRef>
+          <a:effectRef idx="0">
+            <a:schemeClr val="accent2"/>
+          </a:effectRef>
+          <a:fontRef idx="minor">
+            <a:schemeClr val="dk1"/>
+          </a:fontRef>
+        </p:style>
+        <p:txBody>
+          <a:bodyPr rtlCol="0" anchor="ctr"/>
+          <a:lstStyle/>
+          <a:p>
+            <a:pPr algn="ctr"/>
+            <a:r>
+              <a:rPr lang="en-US" sz="1200" dirty="0"/>
+              <a:t>/</a:t>
+            </a:r>
+            <a:r>
+              <a:rPr lang="en-US" sz="1200" dirty="0" err="1"/>
+              <a:t>delete_customer</a:t>
+            </a:r>
+            <a:r>
+              <a:rPr lang="en-US" sz="1200" dirty="0"/>
+              <a:t>/&lt;</a:t>
+            </a:r>
+            <a:r>
+              <a:rPr lang="en-US" sz="1200" dirty="0" err="1"/>
+              <a:t>int:customer_id</a:t>
+            </a:r>
+            <a:r>
+              <a:rPr lang="en-US" sz="1200" dirty="0"/>
+              <a:t>&gt;</a:t>
+            </a:r>
+          </a:p>
+        </p:txBody>
+      </p:sp>
+      <p:sp>
+        <p:nvSpPr>
+          <p:cNvPr id="15" name="Rectangle: Rounded Corners 14">
+            <a:extLst>
+              <a:ext uri="{FF2B5EF4-FFF2-40B4-BE49-F238E27FC236}">
+                <a16:creationId xmlns:a16="http://schemas.microsoft.com/office/drawing/2014/main" id="{7261F145-23B9-C366-29F3-298B0FED809B}"/>
+              </a:ext>
+            </a:extLst>
+          </p:cNvPr>
+          <p:cNvSpPr/>
+          <p:nvPr/>
+        </p:nvSpPr>
+        <p:spPr>
+          <a:xfrm>
+            <a:off x="4103551" y="3531889"/>
+            <a:ext cx="1010621" cy="369332"/>
+          </a:xfrm>
+          <a:prstGeom prst="roundRect">
+            <a:avLst/>
+          </a:prstGeom>
+        </p:spPr>
+        <p:style>
+          <a:lnRef idx="2">
+            <a:schemeClr val="accent2"/>
+          </a:lnRef>
+          <a:fillRef idx="1">
+            <a:schemeClr val="lt1"/>
+          </a:fillRef>
+          <a:effectRef idx="0">
+            <a:schemeClr val="accent2"/>
+          </a:effectRef>
+          <a:fontRef idx="minor">
+            <a:schemeClr val="dk1"/>
+          </a:fontRef>
+        </p:style>
+        <p:txBody>
+          <a:bodyPr rtlCol="0" anchor="ctr"/>
+          <a:lstStyle/>
+          <a:p>
+            <a:r>
+              <a:rPr lang="en-US" sz="1100" b="0" dirty="0">
                 <a:solidFill>
                   <a:schemeClr val="tx1"/>
                 </a:solidFill>
                 <a:effectLst/>
                 <a:latin typeface="Consolas" panose="020B0609020204030204" pitchFamily="49" charset="0"/>
               </a:rPr>
-              <a:t>main()</a:t>
-            </a:r>
-          </a:p>
-          <a:p>
-            <a:pPr algn="ctr"/>
-            <a:endParaRPr lang="en-US" dirty="0"/>
-          </a:p>
-        </p:txBody>
-      </p:sp>
-      <p:sp>
-        <p:nvSpPr>
-          <p:cNvPr id="20" name="Rectangle: Rounded Corners 19">
-            <a:extLst>
-              <a:ext uri="{FF2B5EF4-FFF2-40B4-BE49-F238E27FC236}">
-                <a16:creationId xmlns:a16="http://schemas.microsoft.com/office/drawing/2014/main" id="{7DF95CCF-1F5E-72CC-1995-72476DC0FBE9}"/>
-              </a:ext>
-            </a:extLst>
-          </p:cNvPr>
-          <p:cNvSpPr/>
-          <p:nvPr/>
-        </p:nvSpPr>
-        <p:spPr>
-          <a:xfrm>
-            <a:off x="7495706" y="82084"/>
-            <a:ext cx="2154191" cy="681397"/>
-          </a:xfrm>
-          <a:prstGeom prst="roundRect">
-            <a:avLst/>
-          </a:prstGeom>
-        </p:spPr>
-        <p:style>
-          <a:lnRef idx="2">
-            <a:schemeClr val="accent6"/>
-          </a:lnRef>
-          <a:fillRef idx="1">
-            <a:schemeClr val="lt1"/>
-          </a:fillRef>
-          <a:effectRef idx="0">
-            <a:schemeClr val="accent6"/>
-          </a:effectRef>
-          <a:fontRef idx="minor">
-            <a:schemeClr val="dk1"/>
-          </a:fontRef>
-        </p:style>
-        <p:txBody>
-          <a:bodyPr rtlCol="0" anchor="ctr"/>
-          <a:lstStyle/>
-          <a:p>
-            <a:pPr algn="ctr"/>
-            <a:r>
-              <a:rPr lang="en-US" sz="1100" b="0" i="0" dirty="0">
+              <a:t>/</a:t>
+            </a:r>
+            <a:r>
+              <a:rPr lang="en-US" sz="1100" b="0" dirty="0" err="1">
                 <a:solidFill>
-                  <a:srgbClr val="0F0F0F"/>
+                  <a:schemeClr val="tx1"/>
                 </a:solidFill>
                 <a:effectLst/>
-                <a:latin typeface="Söhne"/>
+                <a:latin typeface="Consolas" panose="020B0609020204030204" pitchFamily="49" charset="0"/>
               </a:rPr>
-              <a:t>Redirect users to role-specific home pages or to login if not logged in.</a:t>
-            </a:r>
-            <a:endParaRPr lang="en-US" sz="1100" dirty="0"/>
-          </a:p>
-        </p:txBody>
-      </p:sp>
-      <p:sp>
-        <p:nvSpPr>
-          <p:cNvPr id="23" name="Rectangle: Rounded Corners 22">
-            <a:extLst>
-              <a:ext uri="{FF2B5EF4-FFF2-40B4-BE49-F238E27FC236}">
-                <a16:creationId xmlns:a16="http://schemas.microsoft.com/office/drawing/2014/main" id="{15230E0D-0A1F-831D-D18B-2B8D80674406}"/>
-              </a:ext>
-            </a:extLst>
-          </p:cNvPr>
-          <p:cNvSpPr/>
-          <p:nvPr/>
-        </p:nvSpPr>
-        <p:spPr>
-          <a:xfrm>
-            <a:off x="10118591" y="509270"/>
-            <a:ext cx="1753275" cy="892207"/>
-          </a:xfrm>
-          <a:prstGeom prst="roundRect">
-            <a:avLst/>
-          </a:prstGeom>
-          <a:ln>
-            <a:solidFill>
-              <a:srgbClr val="7030A0"/>
-            </a:solidFill>
-          </a:ln>
-        </p:spPr>
-        <p:style>
-          <a:lnRef idx="2">
-            <a:schemeClr val="accent6"/>
-          </a:lnRef>
-          <a:fillRef idx="1">
-            <a:schemeClr val="lt1"/>
-          </a:fillRef>
-          <a:effectRef idx="0">
-            <a:schemeClr val="accent6"/>
-          </a:effectRef>
-          <a:fontRef idx="minor">
-            <a:schemeClr val="dk1"/>
-          </a:fontRef>
-        </p:style>
-        <p:txBody>
-          <a:bodyPr rtlCol="0" anchor="ctr"/>
-          <a:lstStyle/>
-          <a:p>
-            <a:pPr algn="ctr"/>
-            <a:r>
-              <a:rPr lang="en-US" sz="1400" dirty="0"/>
-              <a:t>Home.html</a:t>
-            </a:r>
-          </a:p>
-          <a:p>
-            <a:pPr algn="ctr"/>
-            <a:r>
-              <a:rPr lang="en-US" sz="1400" dirty="0"/>
-              <a:t>Staffhome.html</a:t>
-            </a:r>
-          </a:p>
-          <a:p>
-            <a:pPr algn="ctr"/>
-            <a:r>
-              <a:rPr lang="en-US" sz="1400" dirty="0"/>
-              <a:t>Login.html</a:t>
-            </a:r>
-          </a:p>
-        </p:txBody>
-      </p:sp>
-      <p:sp>
-        <p:nvSpPr>
-          <p:cNvPr id="29" name="Rectangle: Rounded Corners 28">
-            <a:extLst>
-              <a:ext uri="{FF2B5EF4-FFF2-40B4-BE49-F238E27FC236}">
-                <a16:creationId xmlns:a16="http://schemas.microsoft.com/office/drawing/2014/main" id="{4D19CF81-E454-8885-EA2A-389AAABEAF07}"/>
-              </a:ext>
-            </a:extLst>
-          </p:cNvPr>
-          <p:cNvSpPr/>
-          <p:nvPr/>
-        </p:nvSpPr>
-        <p:spPr>
-          <a:xfrm>
-            <a:off x="5705084" y="965028"/>
-            <a:ext cx="944755" cy="308435"/>
-          </a:xfrm>
-          <a:prstGeom prst="roundRect">
-            <a:avLst/>
-          </a:prstGeom>
-        </p:spPr>
-        <p:style>
-          <a:lnRef idx="2">
-            <a:schemeClr val="accent2"/>
-          </a:lnRef>
-          <a:fillRef idx="1">
-            <a:schemeClr val="lt1"/>
-          </a:fillRef>
-          <a:effectRef idx="0">
-            <a:schemeClr val="accent2"/>
-          </a:effectRef>
-          <a:fontRef idx="minor">
-            <a:schemeClr val="dk1"/>
-          </a:fontRef>
-        </p:style>
-        <p:txBody>
-          <a:bodyPr rtlCol="0" anchor="ctr"/>
-          <a:lstStyle/>
-          <a:p>
-            <a:pPr algn="ctr"/>
-            <a:endParaRPr lang="en-US" sz="1400" b="0" dirty="0">
+              <a:t>editstaff</a:t>
+            </a:r>
+            <a:endParaRPr lang="en-US" sz="1100" b="0" dirty="0">
               <a:solidFill>
                 <a:schemeClr val="tx1"/>
               </a:solidFill>
@@ -9735,22 +9954,262 @@
               <a:latin typeface="Consolas" panose="020B0609020204030204" pitchFamily="49" charset="0"/>
             </a:endParaRPr>
           </a:p>
+        </p:txBody>
+      </p:sp>
+      <p:sp>
+        <p:nvSpPr>
+          <p:cNvPr id="17" name="Rectangle: Rounded Corners 16">
+            <a:extLst>
+              <a:ext uri="{FF2B5EF4-FFF2-40B4-BE49-F238E27FC236}">
+                <a16:creationId xmlns:a16="http://schemas.microsoft.com/office/drawing/2014/main" id="{E10FFF6E-3DD3-73EB-4DEA-A381A4889A92}"/>
+              </a:ext>
+            </a:extLst>
+          </p:cNvPr>
+          <p:cNvSpPr/>
+          <p:nvPr/>
+        </p:nvSpPr>
+        <p:spPr>
+          <a:xfrm>
+            <a:off x="5694307" y="512499"/>
+            <a:ext cx="944755" cy="287954"/>
+          </a:xfrm>
+          <a:prstGeom prst="roundRect">
+            <a:avLst/>
+          </a:prstGeom>
+        </p:spPr>
+        <p:style>
+          <a:lnRef idx="2">
+            <a:schemeClr val="accent2"/>
+          </a:lnRef>
+          <a:fillRef idx="1">
+            <a:schemeClr val="lt1"/>
+          </a:fillRef>
+          <a:effectRef idx="0">
+            <a:schemeClr val="accent2"/>
+          </a:effectRef>
+          <a:fontRef idx="minor">
+            <a:schemeClr val="dk1"/>
+          </a:fontRef>
+        </p:style>
+        <p:txBody>
+          <a:bodyPr rtlCol="0" anchor="ctr"/>
+          <a:lstStyle/>
           <a:p>
             <a:pPr algn="ctr"/>
             <a:r>
-              <a:rPr lang="en-US" sz="1200" b="0" dirty="0">
+              <a:rPr lang="en-US" sz="1000" b="0" dirty="0" err="1">
                 <a:solidFill>
                   <a:schemeClr val="tx1"/>
                 </a:solidFill>
                 <a:effectLst/>
                 <a:latin typeface="Consolas" panose="020B0609020204030204" pitchFamily="49" charset="0"/>
               </a:rPr>
-              <a:t>login()</a:t>
-            </a:r>
-          </a:p>
+              <a:t>editcustomer</a:t>
+            </a:r>
+            <a:r>
+              <a:rPr lang="en-US" sz="1000" b="0" dirty="0">
+                <a:solidFill>
+                  <a:schemeClr val="tx1"/>
+                </a:solidFill>
+                <a:effectLst/>
+                <a:latin typeface="Consolas" panose="020B0609020204030204" pitchFamily="49" charset="0"/>
+              </a:rPr>
+              <a:t>()</a:t>
+            </a:r>
+            <a:endParaRPr lang="en-US" sz="1000" dirty="0"/>
+          </a:p>
+        </p:txBody>
+      </p:sp>
+      <p:sp>
+        <p:nvSpPr>
+          <p:cNvPr id="20" name="Rectangle: Rounded Corners 19">
+            <a:extLst>
+              <a:ext uri="{FF2B5EF4-FFF2-40B4-BE49-F238E27FC236}">
+                <a16:creationId xmlns:a16="http://schemas.microsoft.com/office/drawing/2014/main" id="{7DF95CCF-1F5E-72CC-1995-72476DC0FBE9}"/>
+              </a:ext>
+            </a:extLst>
+          </p:cNvPr>
+          <p:cNvSpPr/>
+          <p:nvPr/>
+        </p:nvSpPr>
+        <p:spPr>
+          <a:xfrm>
+            <a:off x="7495706" y="82084"/>
+            <a:ext cx="2154191" cy="681397"/>
+          </a:xfrm>
+          <a:prstGeom prst="roundRect">
+            <a:avLst/>
+          </a:prstGeom>
+        </p:spPr>
+        <p:style>
+          <a:lnRef idx="2">
+            <a:schemeClr val="accent6"/>
+          </a:lnRef>
+          <a:fillRef idx="1">
+            <a:schemeClr val="lt1"/>
+          </a:fillRef>
+          <a:effectRef idx="0">
+            <a:schemeClr val="accent6"/>
+          </a:effectRef>
+          <a:fontRef idx="minor">
+            <a:schemeClr val="dk1"/>
+          </a:fontRef>
+        </p:style>
+        <p:txBody>
+          <a:bodyPr rtlCol="0" anchor="ctr"/>
+          <a:lstStyle/>
           <a:p>
             <a:pPr algn="ctr"/>
-            <a:endParaRPr lang="en-US" dirty="0"/>
+            <a:r>
+              <a:rPr lang="en-US" sz="1100" dirty="0"/>
+              <a:t>If logged in as the staff-admin, the manage customer page shows the customer information and button for edit and delete</a:t>
+            </a:r>
+          </a:p>
+        </p:txBody>
+      </p:sp>
+      <p:sp>
+        <p:nvSpPr>
+          <p:cNvPr id="23" name="Rectangle: Rounded Corners 22">
+            <a:extLst>
+              <a:ext uri="{FF2B5EF4-FFF2-40B4-BE49-F238E27FC236}">
+                <a16:creationId xmlns:a16="http://schemas.microsoft.com/office/drawing/2014/main" id="{15230E0D-0A1F-831D-D18B-2B8D80674406}"/>
+              </a:ext>
+            </a:extLst>
+          </p:cNvPr>
+          <p:cNvSpPr/>
+          <p:nvPr/>
+        </p:nvSpPr>
+        <p:spPr>
+          <a:xfrm>
+            <a:off x="10118591" y="509270"/>
+            <a:ext cx="1753275" cy="892207"/>
+          </a:xfrm>
+          <a:prstGeom prst="roundRect">
+            <a:avLst/>
+          </a:prstGeom>
+          <a:ln>
+            <a:solidFill>
+              <a:srgbClr val="7030A0"/>
+            </a:solidFill>
+          </a:ln>
+        </p:spPr>
+        <p:style>
+          <a:lnRef idx="2">
+            <a:schemeClr val="accent6"/>
+          </a:lnRef>
+          <a:fillRef idx="1">
+            <a:schemeClr val="lt1"/>
+          </a:fillRef>
+          <a:effectRef idx="0">
+            <a:schemeClr val="accent6"/>
+          </a:effectRef>
+          <a:fontRef idx="minor">
+            <a:schemeClr val="dk1"/>
+          </a:fontRef>
+        </p:style>
+        <p:txBody>
+          <a:bodyPr rtlCol="0" anchor="ctr"/>
+          <a:lstStyle/>
+          <a:p>
+            <a:pPr algn="ctr"/>
+            <a:r>
+              <a:rPr lang="en-US" sz="1100" b="0" dirty="0">
+                <a:solidFill>
+                  <a:schemeClr val="tx1"/>
+                </a:solidFill>
+                <a:effectLst/>
+                <a:latin typeface="Consolas" panose="020B0609020204030204" pitchFamily="49" charset="0"/>
+              </a:rPr>
+              <a:t>editcustomer.html</a:t>
+            </a:r>
+          </a:p>
+          <a:p>
+            <a:pPr algn="ctr"/>
+            <a:endParaRPr lang="en-US" sz="1400" dirty="0"/>
+          </a:p>
+        </p:txBody>
+      </p:sp>
+      <p:sp>
+        <p:nvSpPr>
+          <p:cNvPr id="29" name="Rectangle: Rounded Corners 28">
+            <a:extLst>
+              <a:ext uri="{FF2B5EF4-FFF2-40B4-BE49-F238E27FC236}">
+                <a16:creationId xmlns:a16="http://schemas.microsoft.com/office/drawing/2014/main" id="{4D19CF81-E454-8885-EA2A-389AAABEAF07}"/>
+              </a:ext>
+            </a:extLst>
+          </p:cNvPr>
+          <p:cNvSpPr/>
+          <p:nvPr/>
+        </p:nvSpPr>
+        <p:spPr>
+          <a:xfrm>
+            <a:off x="5705084" y="965028"/>
+            <a:ext cx="944755" cy="840147"/>
+          </a:xfrm>
+          <a:prstGeom prst="roundRect">
+            <a:avLst/>
+          </a:prstGeom>
+        </p:spPr>
+        <p:style>
+          <a:lnRef idx="2">
+            <a:schemeClr val="accent2"/>
+          </a:lnRef>
+          <a:fillRef idx="1">
+            <a:schemeClr val="lt1"/>
+          </a:fillRef>
+          <a:effectRef idx="0">
+            <a:schemeClr val="accent2"/>
+          </a:effectRef>
+          <a:fontRef idx="minor">
+            <a:schemeClr val="dk1"/>
+          </a:fontRef>
+        </p:style>
+        <p:txBody>
+          <a:bodyPr rtlCol="0" anchor="ctr"/>
+          <a:lstStyle/>
+          <a:p>
+            <a:pPr algn="ctr"/>
+            <a:r>
+              <a:rPr lang="en-US" sz="1000" b="0" dirty="0" err="1">
+                <a:solidFill>
+                  <a:schemeClr val="tx1"/>
+                </a:solidFill>
+                <a:effectLst/>
+                <a:latin typeface="Consolas" panose="020B0609020204030204" pitchFamily="49" charset="0"/>
+              </a:rPr>
+              <a:t>edit_customer_page</a:t>
+            </a:r>
+            <a:r>
+              <a:rPr lang="en-US" sz="1000" b="0" dirty="0">
+                <a:solidFill>
+                  <a:schemeClr val="tx1"/>
+                </a:solidFill>
+                <a:effectLst/>
+                <a:latin typeface="Consolas" panose="020B0609020204030204" pitchFamily="49" charset="0"/>
+              </a:rPr>
+              <a:t>(</a:t>
+            </a:r>
+            <a:r>
+              <a:rPr lang="en-US" sz="1000" b="0" dirty="0" err="1">
+                <a:solidFill>
+                  <a:schemeClr val="tx1"/>
+                </a:solidFill>
+                <a:effectLst/>
+                <a:latin typeface="Consolas" panose="020B0609020204030204" pitchFamily="49" charset="0"/>
+              </a:rPr>
+              <a:t>customer_id</a:t>
+            </a:r>
+            <a:r>
+              <a:rPr lang="en-US" sz="1000" b="0" dirty="0">
+                <a:solidFill>
+                  <a:schemeClr val="tx1"/>
+                </a:solidFill>
+                <a:effectLst/>
+                <a:latin typeface="Consolas" panose="020B0609020204030204" pitchFamily="49" charset="0"/>
+              </a:rPr>
+              <a:t>)</a:t>
+            </a:r>
+            <a:endParaRPr lang="en-US" sz="1000" dirty="0"/>
           </a:p>
         </p:txBody>
       </p:sp>
@@ -9768,8 +10227,8 @@
         </p:nvSpPr>
         <p:spPr>
           <a:xfrm>
-            <a:off x="7453674" y="838019"/>
-            <a:ext cx="2238254" cy="631492"/>
+            <a:off x="7453674" y="1479851"/>
+            <a:ext cx="2238254" cy="1488788"/>
           </a:xfrm>
           <a:prstGeom prst="roundRect">
             <a:avLst/>
@@ -9802,7 +10261,37 @@
                 <a:effectLst/>
                 <a:latin typeface="Söhne"/>
               </a:rPr>
-              <a:t>Authenticates users and directs them to role-based home pages</a:t>
+              <a:t>Add, edit and delete customer function when log in  as admin</a:t>
+            </a:r>
+          </a:p>
+          <a:p>
+            <a:pPr algn="ctr"/>
+            <a:r>
+              <a:rPr lang="en-US" sz="1200" dirty="0">
+                <a:solidFill>
+                  <a:srgbClr val="0F0F0F"/>
+                </a:solidFill>
+                <a:latin typeface="Söhne"/>
+              </a:rPr>
+              <a:t>(admin will not create password for customer, they need to logged in by default password </a:t>
+            </a:r>
+            <a:r>
+              <a:rPr lang="en-US" sz="1200" b="1" dirty="0">
+                <a:solidFill>
+                  <a:srgbClr val="0F0F0F"/>
+                </a:solidFill>
+                <a:latin typeface="Söhne"/>
+              </a:rPr>
+              <a:t>123456 </a:t>
+            </a:r>
+            <a:r>
+              <a:rPr lang="en-US" sz="1200" dirty="0">
+                <a:solidFill>
+                  <a:srgbClr val="0F0F0F"/>
+                </a:solidFill>
+                <a:latin typeface="Söhne"/>
+              </a:rPr>
+              <a:t>and update their own password)</a:t>
             </a:r>
             <a:endParaRPr lang="en-US" sz="1200" dirty="0"/>
           </a:p>
@@ -9870,7 +10359,7 @@
         </p:nvCxnSpPr>
         <p:spPr>
           <a:xfrm>
-            <a:off x="5076085" y="1115561"/>
+            <a:off x="5058249" y="1426763"/>
             <a:ext cx="657055" cy="1614"/>
           </a:xfrm>
           <a:prstGeom prst="line">
@@ -9961,8 +10450,8 @@
         </p:nvCxnSpPr>
         <p:spPr>
           <a:xfrm>
-            <a:off x="6649839" y="1119246"/>
-            <a:ext cx="803835" cy="34519"/>
+            <a:off x="6649839" y="1385102"/>
+            <a:ext cx="803835" cy="839143"/>
           </a:xfrm>
           <a:prstGeom prst="straightConnector1">
             <a:avLst/>
@@ -9986,12 +10475,90 @@
           </a:fontRef>
         </p:style>
       </p:cxnSp>
-      <p:sp>
-        <p:nvSpPr>
-          <p:cNvPr id="41" name="Rectangle: Rounded Corners 40">
-            <a:extLst>
-              <a:ext uri="{FF2B5EF4-FFF2-40B4-BE49-F238E27FC236}">
-                <a16:creationId xmlns:a16="http://schemas.microsoft.com/office/drawing/2014/main" id="{D516DA3C-071A-FA57-7EA0-00F584BB5882}"/>
+      <p:cxnSp>
+        <p:nvCxnSpPr>
+          <p:cNvPr id="48" name="Straight Arrow Connector 47">
+            <a:extLst>
+              <a:ext uri="{FF2B5EF4-FFF2-40B4-BE49-F238E27FC236}">
+                <a16:creationId xmlns:a16="http://schemas.microsoft.com/office/drawing/2014/main" id="{FF54F481-04D4-B9A7-0BA1-7D1E69056653}"/>
+              </a:ext>
+            </a:extLst>
+          </p:cNvPr>
+          <p:cNvCxnSpPr>
+            <a:cxnSpLocks/>
+            <a:stCxn id="20" idx="3"/>
+            <a:endCxn id="23" idx="1"/>
+          </p:cNvCxnSpPr>
+          <p:nvPr/>
+        </p:nvCxnSpPr>
+        <p:spPr>
+          <a:xfrm>
+            <a:off x="9649897" y="422783"/>
+            <a:ext cx="468694" cy="532591"/>
+          </a:xfrm>
+          <a:prstGeom prst="straightConnector1">
+            <a:avLst/>
+          </a:prstGeom>
+          <a:ln>
+            <a:tailEnd type="triangle"/>
+          </a:ln>
+        </p:spPr>
+        <p:style>
+          <a:lnRef idx="3">
+            <a:schemeClr val="accent6"/>
+          </a:lnRef>
+          <a:fillRef idx="0">
+            <a:schemeClr val="accent6"/>
+          </a:fillRef>
+          <a:effectRef idx="2">
+            <a:schemeClr val="accent6"/>
+          </a:effectRef>
+          <a:fontRef idx="minor">
+            <a:schemeClr val="tx1"/>
+          </a:fontRef>
+        </p:style>
+      </p:cxnSp>
+      <p:sp>
+        <p:nvSpPr>
+          <p:cNvPr id="58" name="TextBox 57">
+            <a:extLst>
+              <a:ext uri="{FF2B5EF4-FFF2-40B4-BE49-F238E27FC236}">
+                <a16:creationId xmlns:a16="http://schemas.microsoft.com/office/drawing/2014/main" id="{DB78E4C0-8410-4999-FB28-4759A44B773B}"/>
+              </a:ext>
+            </a:extLst>
+          </p:cNvPr>
+          <p:cNvSpPr txBox="1"/>
+          <p:nvPr/>
+        </p:nvSpPr>
+        <p:spPr>
+          <a:xfrm>
+            <a:off x="10278959" y="-11862"/>
+            <a:ext cx="1653530" cy="369332"/>
+          </a:xfrm>
+          <a:prstGeom prst="rect">
+            <a:avLst/>
+          </a:prstGeom>
+          <a:noFill/>
+        </p:spPr>
+        <p:txBody>
+          <a:bodyPr wrap="none" rtlCol="0">
+            <a:spAutoFit/>
+          </a:bodyPr>
+          <a:lstStyle/>
+          <a:p>
+            <a:r>
+              <a:rPr lang="en-US" dirty="0"/>
+              <a:t>HTML Template</a:t>
+            </a:r>
+          </a:p>
+        </p:txBody>
+      </p:sp>
+      <p:sp>
+        <p:nvSpPr>
+          <p:cNvPr id="61" name="Rectangle: Rounded Corners 60">
+            <a:extLst>
+              <a:ext uri="{FF2B5EF4-FFF2-40B4-BE49-F238E27FC236}">
+                <a16:creationId xmlns:a16="http://schemas.microsoft.com/office/drawing/2014/main" id="{89DC3E04-CB73-FC40-72DB-4B8ABD4B31E1}"/>
               </a:ext>
             </a:extLst>
           </p:cNvPr>
@@ -10000,8 +10567,8 @@
         </p:nvSpPr>
         <p:spPr>
           <a:xfrm>
-            <a:off x="5694306" y="1424113"/>
-            <a:ext cx="944755" cy="292262"/>
+            <a:off x="5724523" y="1854300"/>
+            <a:ext cx="944755" cy="768375"/>
           </a:xfrm>
           <a:prstGeom prst="roundRect">
             <a:avLst/>
@@ -10026,39 +10593,36 @@
           <a:lstStyle/>
           <a:p>
             <a:pPr algn="ctr"/>
-            <a:endParaRPr lang="en-US" sz="1400" b="0" dirty="0">
-              <a:solidFill>
-                <a:schemeClr val="tx1"/>
-              </a:solidFill>
-              <a:effectLst/>
-              <a:latin typeface="Consolas" panose="020B0609020204030204" pitchFamily="49" charset="0"/>
-            </a:endParaRPr>
-          </a:p>
-          <a:p>
-            <a:pPr algn="ctr"/>
-            <a:r>
-              <a:rPr lang="en-US" sz="1200" b="0" dirty="0">
+            <a:r>
+              <a:rPr lang="en-US" sz="1100" b="0" i="0" dirty="0" err="1">
                 <a:solidFill>
-                  <a:schemeClr val="tx1"/>
+                  <a:srgbClr val="0F0F0F"/>
                 </a:solidFill>
                 <a:effectLst/>
-                <a:latin typeface="Consolas" panose="020B0609020204030204" pitchFamily="49" charset="0"/>
+                <a:latin typeface="Söhne"/>
               </a:rPr>
-              <a:t>logout()</a:t>
-            </a:r>
-          </a:p>
-          <a:p>
-            <a:pPr algn="ctr"/>
-            <a:endParaRPr lang="en-US" dirty="0"/>
+              <a:t>edit_customer_add</a:t>
+            </a:r>
+            <a:r>
+              <a:rPr lang="en-US" sz="1100" b="0" i="0" dirty="0">
+                <a:solidFill>
+                  <a:srgbClr val="0F0F0F"/>
+                </a:solidFill>
+                <a:effectLst/>
+                <a:latin typeface="Söhne"/>
+              </a:rPr>
+              <a:t>()</a:t>
+            </a:r>
+            <a:endParaRPr lang="en-US" sz="1200" dirty="0"/>
           </a:p>
         </p:txBody>
       </p:sp>
       <p:cxnSp>
         <p:nvCxnSpPr>
-          <p:cNvPr id="42" name="Straight Connector 41">
-            <a:extLst>
-              <a:ext uri="{FF2B5EF4-FFF2-40B4-BE49-F238E27FC236}">
-                <a16:creationId xmlns:a16="http://schemas.microsoft.com/office/drawing/2014/main" id="{22FC1FAB-B354-6A42-DA6F-7FFFCDC5E550}"/>
+          <p:cNvPr id="63" name="Straight Connector 62">
+            <a:extLst>
+              <a:ext uri="{FF2B5EF4-FFF2-40B4-BE49-F238E27FC236}">
+                <a16:creationId xmlns:a16="http://schemas.microsoft.com/office/drawing/2014/main" id="{7721C9E7-0448-B9C4-9706-A128125AED51}"/>
               </a:ext>
             </a:extLst>
           </p:cNvPr>
@@ -10067,7 +10631,7 @@
         </p:nvCxnSpPr>
         <p:spPr>
           <a:xfrm>
-            <a:off x="5053314" y="1586877"/>
+            <a:off x="5042376" y="2294981"/>
             <a:ext cx="657055" cy="1614"/>
           </a:xfrm>
           <a:prstGeom prst="line">
@@ -10098,79 +10662,26 @@
           </a:fontRef>
         </p:style>
       </p:cxnSp>
-      <p:sp>
-        <p:nvSpPr>
-          <p:cNvPr id="43" name="Rectangle: Rounded Corners 42">
-            <a:extLst>
-              <a:ext uri="{FF2B5EF4-FFF2-40B4-BE49-F238E27FC236}">
-                <a16:creationId xmlns:a16="http://schemas.microsoft.com/office/drawing/2014/main" id="{7FF80672-53AC-AFD2-31A0-C586C4E85B61}"/>
-              </a:ext>
-            </a:extLst>
-          </p:cNvPr>
-          <p:cNvSpPr/>
-          <p:nvPr/>
-        </p:nvSpPr>
-        <p:spPr>
-          <a:xfrm>
-            <a:off x="7453674" y="1559646"/>
-            <a:ext cx="2309751" cy="631492"/>
-          </a:xfrm>
-          <a:prstGeom prst="roundRect">
-            <a:avLst/>
-          </a:prstGeom>
-        </p:spPr>
-        <p:style>
-          <a:lnRef idx="2">
-            <a:schemeClr val="accent6"/>
-          </a:lnRef>
-          <a:fillRef idx="1">
-            <a:schemeClr val="lt1"/>
-          </a:fillRef>
-          <a:effectRef idx="0">
-            <a:schemeClr val="accent6"/>
-          </a:effectRef>
-          <a:fontRef idx="minor">
-            <a:schemeClr val="dk1"/>
-          </a:fontRef>
-        </p:style>
-        <p:txBody>
-          <a:bodyPr rtlCol="0" anchor="ctr"/>
-          <a:lstStyle/>
-          <a:p>
-            <a:pPr algn="ctr"/>
-            <a:r>
-              <a:rPr lang="en-US" sz="1100" b="0" i="0" dirty="0">
-                <a:solidFill>
-                  <a:srgbClr val="0F0F0F"/>
-                </a:solidFill>
-                <a:effectLst/>
-                <a:latin typeface="Söhne"/>
-              </a:rPr>
-              <a:t>Cleans session data to log out the user and redirects to the login page.</a:t>
-            </a:r>
-            <a:endParaRPr lang="en-US" sz="1100" dirty="0"/>
-          </a:p>
-        </p:txBody>
-      </p:sp>
       <p:cxnSp>
         <p:nvCxnSpPr>
-          <p:cNvPr id="46" name="Straight Arrow Connector 45">
-            <a:extLst>
-              <a:ext uri="{FF2B5EF4-FFF2-40B4-BE49-F238E27FC236}">
-                <a16:creationId xmlns:a16="http://schemas.microsoft.com/office/drawing/2014/main" id="{4FC0932A-2AA1-78D6-DC24-A94EA2266F1B}"/>
+          <p:cNvPr id="65" name="Straight Arrow Connector 64">
+            <a:extLst>
+              <a:ext uri="{FF2B5EF4-FFF2-40B4-BE49-F238E27FC236}">
+                <a16:creationId xmlns:a16="http://schemas.microsoft.com/office/drawing/2014/main" id="{FB6B5A84-5A08-6945-42DF-884C0AAE60F2}"/>
               </a:ext>
             </a:extLst>
           </p:cNvPr>
           <p:cNvCxnSpPr>
             <a:cxnSpLocks/>
-            <a:endCxn id="43" idx="1"/>
+            <a:stCxn id="61" idx="3"/>
+            <a:endCxn id="30" idx="1"/>
           </p:cNvCxnSpPr>
           <p:nvPr/>
         </p:nvCxnSpPr>
         <p:spPr>
-          <a:xfrm>
-            <a:off x="6655681" y="1589210"/>
-            <a:ext cx="797993" cy="286182"/>
+          <a:xfrm flipV="1">
+            <a:off x="6669278" y="2224245"/>
+            <a:ext cx="784396" cy="14243"/>
           </a:xfrm>
           <a:prstGeom prst="straightConnector1">
             <a:avLst/>
@@ -10196,24 +10707,24 @@
       </p:cxnSp>
       <p:cxnSp>
         <p:nvCxnSpPr>
-          <p:cNvPr id="48" name="Straight Arrow Connector 47">
-            <a:extLst>
-              <a:ext uri="{FF2B5EF4-FFF2-40B4-BE49-F238E27FC236}">
-                <a16:creationId xmlns:a16="http://schemas.microsoft.com/office/drawing/2014/main" id="{FF54F481-04D4-B9A7-0BA1-7D1E69056653}"/>
+          <p:cNvPr id="72" name="Straight Arrow Connector 71">
+            <a:extLst>
+              <a:ext uri="{FF2B5EF4-FFF2-40B4-BE49-F238E27FC236}">
+                <a16:creationId xmlns:a16="http://schemas.microsoft.com/office/drawing/2014/main" id="{90FF1140-EC50-83DA-7B24-53491C2A3B4D}"/>
               </a:ext>
             </a:extLst>
           </p:cNvPr>
           <p:cNvCxnSpPr>
             <a:cxnSpLocks/>
-            <a:stCxn id="20" idx="3"/>
-            <a:endCxn id="23" idx="1"/>
+            <a:stCxn id="30" idx="3"/>
+            <a:endCxn id="83" idx="1"/>
           </p:cNvCxnSpPr>
           <p:nvPr/>
         </p:nvCxnSpPr>
         <p:spPr>
           <a:xfrm>
-            <a:off x="9649897" y="422783"/>
-            <a:ext cx="468694" cy="532591"/>
+            <a:off x="9691928" y="2224245"/>
+            <a:ext cx="487286" cy="14242"/>
           </a:xfrm>
           <a:prstGeom prst="straightConnector1">
             <a:avLst/>
@@ -10239,24 +10750,23 @@
       </p:cxnSp>
       <p:cxnSp>
         <p:nvCxnSpPr>
-          <p:cNvPr id="51" name="Straight Arrow Connector 50">
-            <a:extLst>
-              <a:ext uri="{FF2B5EF4-FFF2-40B4-BE49-F238E27FC236}">
-                <a16:creationId xmlns:a16="http://schemas.microsoft.com/office/drawing/2014/main" id="{8D22E100-4069-E1F6-285F-F36C28DC3181}"/>
+          <p:cNvPr id="80" name="Straight Arrow Connector 79">
+            <a:extLst>
+              <a:ext uri="{FF2B5EF4-FFF2-40B4-BE49-F238E27FC236}">
+                <a16:creationId xmlns:a16="http://schemas.microsoft.com/office/drawing/2014/main" id="{4325B9EC-0004-A263-5329-28FE3A163245}"/>
               </a:ext>
             </a:extLst>
           </p:cNvPr>
           <p:cNvCxnSpPr>
             <a:cxnSpLocks/>
-            <a:stCxn id="30" idx="3"/>
-            <a:endCxn id="23" idx="1"/>
+            <a:endCxn id="30" idx="1"/>
           </p:cNvCxnSpPr>
           <p:nvPr/>
         </p:nvCxnSpPr>
         <p:spPr>
           <a:xfrm flipV="1">
-            <a:off x="9691928" y="955374"/>
-            <a:ext cx="426663" cy="198391"/>
+            <a:off x="6728703" y="2224245"/>
+            <a:ext cx="724971" cy="818645"/>
           </a:xfrm>
           <a:prstGeom prst="straightConnector1">
             <a:avLst/>
@@ -10282,10 +10792,10 @@
       </p:cxnSp>
       <p:sp>
         <p:nvSpPr>
-          <p:cNvPr id="55" name="Rectangle: Rounded Corners 54">
-            <a:extLst>
-              <a:ext uri="{FF2B5EF4-FFF2-40B4-BE49-F238E27FC236}">
-                <a16:creationId xmlns:a16="http://schemas.microsoft.com/office/drawing/2014/main" id="{0AB66F2E-50F0-9E1B-A4B0-16CE2165AA89}"/>
+          <p:cNvPr id="83" name="Rectangle: Rounded Corners 82">
+            <a:extLst>
+              <a:ext uri="{FF2B5EF4-FFF2-40B4-BE49-F238E27FC236}">
+                <a16:creationId xmlns:a16="http://schemas.microsoft.com/office/drawing/2014/main" id="{BF56DF96-1CF8-1B13-7183-423E499C8AAA}"/>
               </a:ext>
             </a:extLst>
           </p:cNvPr>
@@ -10294,8 +10804,8 @@
         </p:nvSpPr>
         <p:spPr>
           <a:xfrm>
-            <a:off x="10179215" y="1553277"/>
-            <a:ext cx="1763876" cy="386182"/>
+            <a:off x="10179214" y="1615432"/>
+            <a:ext cx="1895628" cy="1246110"/>
           </a:xfrm>
           <a:prstGeom prst="roundRect">
             <a:avLst/>
@@ -10326,170 +10836,141 @@
           <a:p>
             <a:pPr algn="ctr"/>
             <a:r>
-              <a:rPr lang="en-US" sz="1400" dirty="0"/>
-              <a:t>Login.html</a:t>
-            </a:r>
-          </a:p>
-        </p:txBody>
-      </p:sp>
-      <p:sp>
-        <p:nvSpPr>
-          <p:cNvPr id="58" name="TextBox 57">
-            <a:extLst>
-              <a:ext uri="{FF2B5EF4-FFF2-40B4-BE49-F238E27FC236}">
-                <a16:creationId xmlns:a16="http://schemas.microsoft.com/office/drawing/2014/main" id="{DB78E4C0-8410-4999-FB28-4759A44B773B}"/>
-              </a:ext>
-            </a:extLst>
-          </p:cNvPr>
-          <p:cNvSpPr txBox="1"/>
-          <p:nvPr/>
-        </p:nvSpPr>
-        <p:spPr>
-          <a:xfrm>
-            <a:off x="10278959" y="-11862"/>
-            <a:ext cx="1653530" cy="369332"/>
-          </a:xfrm>
-          <a:prstGeom prst="rect">
-            <a:avLst/>
-          </a:prstGeom>
-          <a:noFill/>
-        </p:spPr>
-        <p:txBody>
-          <a:bodyPr wrap="none" rtlCol="0">
-            <a:spAutoFit/>
-          </a:bodyPr>
-          <a:lstStyle/>
-          <a:p>
-            <a:r>
-              <a:rPr lang="en-US" dirty="0"/>
-              <a:t>HTML Template</a:t>
+              <a:rPr lang="en-US" sz="1100" dirty="0"/>
+              <a:t>edit_customer_page.html</a:t>
+            </a:r>
+          </a:p>
+          <a:p>
+            <a:pPr algn="ctr"/>
+            <a:r>
+              <a:rPr lang="en-US" sz="1100" dirty="0"/>
+              <a:t>edit_customer_add.html</a:t>
+            </a:r>
+          </a:p>
+          <a:p>
+            <a:pPr algn="ctr"/>
+            <a:r>
+              <a:rPr lang="en-US" sz="1100" b="0" dirty="0">
+                <a:solidFill>
+                  <a:schemeClr val="tx1"/>
+                </a:solidFill>
+                <a:effectLst/>
+              </a:rPr>
+              <a:t>editcustomer.html</a:t>
+            </a:r>
+          </a:p>
+          <a:p>
+            <a:pPr algn="ctr"/>
+            <a:endParaRPr lang="en-US" sz="1400" dirty="0"/>
+          </a:p>
+          <a:p>
+            <a:pPr algn="ctr"/>
+            <a:endParaRPr lang="en-US" sz="1400" dirty="0"/>
+          </a:p>
+        </p:txBody>
+      </p:sp>
+      <p:sp>
+        <p:nvSpPr>
+          <p:cNvPr id="85" name="Rectangle: Rounded Corners 84">
+            <a:extLst>
+              <a:ext uri="{FF2B5EF4-FFF2-40B4-BE49-F238E27FC236}">
+                <a16:creationId xmlns:a16="http://schemas.microsoft.com/office/drawing/2014/main" id="{D4D06C92-EA0A-623F-1BCE-6967686E3A59}"/>
+              </a:ext>
+            </a:extLst>
+          </p:cNvPr>
+          <p:cNvSpPr/>
+          <p:nvPr/>
+        </p:nvSpPr>
+        <p:spPr>
+          <a:xfrm>
+            <a:off x="5705084" y="2672759"/>
+            <a:ext cx="998904" cy="756241"/>
+          </a:xfrm>
+          <a:prstGeom prst="roundRect">
+            <a:avLst/>
+          </a:prstGeom>
+        </p:spPr>
+        <p:style>
+          <a:lnRef idx="2">
+            <a:schemeClr val="accent2"/>
+          </a:lnRef>
+          <a:fillRef idx="1">
+            <a:schemeClr val="lt1"/>
+          </a:fillRef>
+          <a:effectRef idx="0">
+            <a:schemeClr val="accent2"/>
+          </a:effectRef>
+          <a:fontRef idx="minor">
+            <a:schemeClr val="dk1"/>
+          </a:fontRef>
+        </p:style>
+        <p:txBody>
+          <a:bodyPr rtlCol="0" anchor="ctr"/>
+          <a:lstStyle/>
+          <a:p>
+            <a:r>
+              <a:rPr lang="en-US" sz="1100" b="0" dirty="0" err="1">
+                <a:solidFill>
+                  <a:schemeClr val="tx1"/>
+                </a:solidFill>
+                <a:effectLst/>
+                <a:latin typeface="Consolas" panose="020B0609020204030204" pitchFamily="49" charset="0"/>
+              </a:rPr>
+              <a:t>delete_customer</a:t>
+            </a:r>
+            <a:r>
+              <a:rPr lang="en-US" sz="1100" b="0" dirty="0">
+                <a:solidFill>
+                  <a:schemeClr val="tx1"/>
+                </a:solidFill>
+                <a:effectLst/>
+                <a:latin typeface="Consolas" panose="020B0609020204030204" pitchFamily="49" charset="0"/>
+              </a:rPr>
+              <a:t>(</a:t>
+            </a:r>
+            <a:r>
+              <a:rPr lang="en-US" sz="1100" b="0" dirty="0" err="1">
+                <a:solidFill>
+                  <a:schemeClr val="tx1"/>
+                </a:solidFill>
+                <a:effectLst/>
+                <a:latin typeface="Consolas" panose="020B0609020204030204" pitchFamily="49" charset="0"/>
+              </a:rPr>
+              <a:t>customer_id</a:t>
+            </a:r>
+            <a:r>
+              <a:rPr lang="en-US" sz="1100" b="0" dirty="0">
+                <a:solidFill>
+                  <a:schemeClr val="tx1"/>
+                </a:solidFill>
+                <a:effectLst/>
+                <a:latin typeface="Consolas" panose="020B0609020204030204" pitchFamily="49" charset="0"/>
+              </a:rPr>
+              <a:t>):</a:t>
             </a:r>
           </a:p>
         </p:txBody>
       </p:sp>
       <p:cxnSp>
         <p:nvCxnSpPr>
-          <p:cNvPr id="59" name="Straight Arrow Connector 58">
-            <a:extLst>
-              <a:ext uri="{FF2B5EF4-FFF2-40B4-BE49-F238E27FC236}">
-                <a16:creationId xmlns:a16="http://schemas.microsoft.com/office/drawing/2014/main" id="{B89302CD-7BA4-96D7-4415-594921CD21BE}"/>
+          <p:cNvPr id="86" name="Straight Connector 85">
+            <a:extLst>
+              <a:ext uri="{FF2B5EF4-FFF2-40B4-BE49-F238E27FC236}">
+                <a16:creationId xmlns:a16="http://schemas.microsoft.com/office/drawing/2014/main" id="{C485BEEF-BE0E-0791-A7AA-B1BF70AF3873}"/>
               </a:ext>
             </a:extLst>
           </p:cNvPr>
           <p:cNvCxnSpPr>
             <a:cxnSpLocks/>
-            <a:stCxn id="43" idx="3"/>
-            <a:endCxn id="55" idx="1"/>
+            <a:stCxn id="11" idx="3"/>
+            <a:endCxn id="85" idx="1"/>
           </p:cNvCxnSpPr>
           <p:nvPr/>
         </p:nvCxnSpPr>
         <p:spPr>
-          <a:xfrm flipV="1">
-            <a:off x="9763425" y="1746368"/>
-            <a:ext cx="415790" cy="129024"/>
-          </a:xfrm>
-          <a:prstGeom prst="straightConnector1">
-            <a:avLst/>
-          </a:prstGeom>
-          <a:ln>
-            <a:tailEnd type="triangle"/>
-          </a:ln>
-        </p:spPr>
-        <p:style>
-          <a:lnRef idx="3">
-            <a:schemeClr val="accent6"/>
-          </a:lnRef>
-          <a:fillRef idx="0">
-            <a:schemeClr val="accent6"/>
-          </a:fillRef>
-          <a:effectRef idx="2">
-            <a:schemeClr val="accent6"/>
-          </a:effectRef>
-          <a:fontRef idx="minor">
-            <a:schemeClr val="tx1"/>
-          </a:fontRef>
-        </p:style>
-      </p:cxnSp>
-      <p:sp>
-        <p:nvSpPr>
-          <p:cNvPr id="61" name="Rectangle: Rounded Corners 60">
-            <a:extLst>
-              <a:ext uri="{FF2B5EF4-FFF2-40B4-BE49-F238E27FC236}">
-                <a16:creationId xmlns:a16="http://schemas.microsoft.com/office/drawing/2014/main" id="{89DC3E04-CB73-FC40-72DB-4B8ABD4B31E1}"/>
-              </a:ext>
-            </a:extLst>
-          </p:cNvPr>
-          <p:cNvSpPr/>
-          <p:nvPr/>
-        </p:nvSpPr>
-        <p:spPr>
-          <a:xfrm>
-            <a:off x="5724523" y="1854300"/>
-            <a:ext cx="944755" cy="308435"/>
-          </a:xfrm>
-          <a:prstGeom prst="roundRect">
-            <a:avLst/>
-          </a:prstGeom>
-        </p:spPr>
-        <p:style>
-          <a:lnRef idx="2">
-            <a:schemeClr val="accent2"/>
-          </a:lnRef>
-          <a:fillRef idx="1">
-            <a:schemeClr val="lt1"/>
-          </a:fillRef>
-          <a:effectRef idx="0">
-            <a:schemeClr val="accent2"/>
-          </a:effectRef>
-          <a:fontRef idx="minor">
-            <a:schemeClr val="dk1"/>
-          </a:fontRef>
-        </p:style>
-        <p:txBody>
-          <a:bodyPr rtlCol="0" anchor="ctr"/>
-          <a:lstStyle/>
-          <a:p>
-            <a:pPr algn="ctr"/>
-            <a:r>
-              <a:rPr lang="en-US" sz="1200" b="0" i="0" dirty="0">
-                <a:solidFill>
-                  <a:srgbClr val="0F0F0F"/>
-                </a:solidFill>
-                <a:effectLst/>
-                <a:latin typeface="Söhne"/>
-              </a:rPr>
-              <a:t>register( </a:t>
-            </a:r>
-            <a:r>
-              <a:rPr lang="en-US" sz="1400" b="0" i="0" dirty="0">
-                <a:solidFill>
-                  <a:srgbClr val="0F0F0F"/>
-                </a:solidFill>
-                <a:effectLst/>
-                <a:latin typeface="Söhne"/>
-              </a:rPr>
-              <a:t>)</a:t>
-            </a:r>
-            <a:endParaRPr lang="en-US" sz="1400" dirty="0"/>
-          </a:p>
-        </p:txBody>
-      </p:sp>
-      <p:cxnSp>
-        <p:nvCxnSpPr>
-          <p:cNvPr id="63" name="Straight Connector 62">
-            <a:extLst>
-              <a:ext uri="{FF2B5EF4-FFF2-40B4-BE49-F238E27FC236}">
-                <a16:creationId xmlns:a16="http://schemas.microsoft.com/office/drawing/2014/main" id="{7721C9E7-0448-B9C4-9706-A128125AED51}"/>
-              </a:ext>
-            </a:extLst>
-          </p:cNvPr>
-          <p:cNvCxnSpPr/>
-          <p:nvPr/>
-        </p:nvCxnSpPr>
-        <p:spPr>
-          <a:xfrm>
-            <a:off x="5061027" y="2022506"/>
-            <a:ext cx="657055" cy="1614"/>
+          <a:xfrm>
+            <a:off x="5095147" y="3045143"/>
+            <a:ext cx="609937" cy="5737"/>
           </a:xfrm>
           <a:prstGeom prst="line">
             <a:avLst/>
@@ -10521,10 +11002,10 @@
       </p:cxnSp>
       <p:sp>
         <p:nvSpPr>
-          <p:cNvPr id="64" name="Rectangle: Rounded Corners 63">
-            <a:extLst>
-              <a:ext uri="{FF2B5EF4-FFF2-40B4-BE49-F238E27FC236}">
-                <a16:creationId xmlns:a16="http://schemas.microsoft.com/office/drawing/2014/main" id="{033D9B22-205C-7ABB-D3A9-2E9C8103D097}"/>
+          <p:cNvPr id="88" name="Rectangle: Rounded Corners 87">
+            <a:extLst>
+              <a:ext uri="{FF2B5EF4-FFF2-40B4-BE49-F238E27FC236}">
+                <a16:creationId xmlns:a16="http://schemas.microsoft.com/office/drawing/2014/main" id="{1BF8CD8E-0D91-5D4D-ABA1-F8D143836975}"/>
               </a:ext>
             </a:extLst>
           </p:cNvPr>
@@ -10533,8 +11014,8 @@
         </p:nvSpPr>
         <p:spPr>
           <a:xfrm>
-            <a:off x="7495706" y="2267488"/>
-            <a:ext cx="2309751" cy="322345"/>
+            <a:off x="7502336" y="3209603"/>
+            <a:ext cx="2309751" cy="1906150"/>
           </a:xfrm>
           <a:prstGeom prst="roundRect">
             <a:avLst/>
@@ -10559,15 +11040,6 @@
           <a:lstStyle/>
           <a:p>
             <a:pPr algn="ctr"/>
-            <a:r>
-              <a:rPr lang="en-US" sz="1100" dirty="0">
-                <a:solidFill>
-                  <a:srgbClr val="0F0F0F"/>
-                </a:solidFill>
-                <a:latin typeface="Söhne"/>
-              </a:rPr>
-              <a:t>Customer</a:t>
-            </a:r>
             <a:r>
               <a:rPr lang="en-US" sz="1100" b="0" i="0" dirty="0">
                 <a:solidFill>
@@ -10576,61 +11048,49 @@
                 <a:effectLst/>
                 <a:latin typeface="Söhne"/>
               </a:rPr>
-              <a:t> registrations </a:t>
+              <a:t>Add, edit and delete staff function when log in  as admin</a:t>
+            </a:r>
+            <a:r>
+              <a:rPr lang="en-US" sz="1100" dirty="0">
+                <a:solidFill>
+                  <a:srgbClr val="0F0F0F"/>
+                </a:solidFill>
+                <a:latin typeface="Söhne"/>
+              </a:rPr>
+              <a:t>(admin will not create password for customer, they need to logged in by default password </a:t>
+            </a:r>
+            <a:r>
+              <a:rPr lang="en-US" sz="1100" b="1" dirty="0">
+                <a:solidFill>
+                  <a:srgbClr val="0F0F0F"/>
+                </a:solidFill>
+                <a:latin typeface="Söhne"/>
+              </a:rPr>
+              <a:t>56789 </a:t>
+            </a:r>
+            <a:r>
+              <a:rPr lang="en-US" sz="1100" dirty="0">
+                <a:solidFill>
+                  <a:srgbClr val="0F0F0F"/>
+                </a:solidFill>
+                <a:latin typeface="Söhne"/>
+              </a:rPr>
+              <a:t>and update their own password)</a:t>
             </a:r>
             <a:endParaRPr lang="en-US" sz="1100" dirty="0"/>
           </a:p>
-        </p:txBody>
-      </p:sp>
-      <p:cxnSp>
-        <p:nvCxnSpPr>
-          <p:cNvPr id="65" name="Straight Arrow Connector 64">
-            <a:extLst>
-              <a:ext uri="{FF2B5EF4-FFF2-40B4-BE49-F238E27FC236}">
-                <a16:creationId xmlns:a16="http://schemas.microsoft.com/office/drawing/2014/main" id="{FB6B5A84-5A08-6945-42DF-884C0AAE60F2}"/>
-              </a:ext>
-            </a:extLst>
-          </p:cNvPr>
-          <p:cNvCxnSpPr>
-            <a:cxnSpLocks/>
-            <a:stCxn id="61" idx="3"/>
-            <a:endCxn id="64" idx="1"/>
-          </p:cNvCxnSpPr>
-          <p:nvPr/>
-        </p:nvCxnSpPr>
-        <p:spPr>
-          <a:xfrm>
-            <a:off x="6669278" y="2008518"/>
-            <a:ext cx="826428" cy="420143"/>
-          </a:xfrm>
-          <a:prstGeom prst="straightConnector1">
-            <a:avLst/>
-          </a:prstGeom>
-          <a:ln>
-            <a:tailEnd type="triangle"/>
-          </a:ln>
-        </p:spPr>
-        <p:style>
-          <a:lnRef idx="3">
-            <a:schemeClr val="accent6"/>
-          </a:lnRef>
-          <a:fillRef idx="0">
-            <a:schemeClr val="accent6"/>
-          </a:fillRef>
-          <a:effectRef idx="2">
-            <a:schemeClr val="accent6"/>
-          </a:effectRef>
-          <a:fontRef idx="minor">
-            <a:schemeClr val="tx1"/>
-          </a:fontRef>
-        </p:style>
-      </p:cxnSp>
-      <p:sp>
-        <p:nvSpPr>
-          <p:cNvPr id="68" name="Rectangle: Rounded Corners 67">
-            <a:extLst>
-              <a:ext uri="{FF2B5EF4-FFF2-40B4-BE49-F238E27FC236}">
-                <a16:creationId xmlns:a16="http://schemas.microsoft.com/office/drawing/2014/main" id="{F6DEB104-61CC-CB33-874D-33438FF9E136}"/>
+          <a:p>
+            <a:pPr algn="ctr"/>
+            <a:endParaRPr lang="en-US" sz="1100" dirty="0"/>
+          </a:p>
+        </p:txBody>
+      </p:sp>
+      <p:sp>
+        <p:nvSpPr>
+          <p:cNvPr id="93" name="Rectangle: Rounded Corners 92">
+            <a:extLst>
+              <a:ext uri="{FF2B5EF4-FFF2-40B4-BE49-F238E27FC236}">
+                <a16:creationId xmlns:a16="http://schemas.microsoft.com/office/drawing/2014/main" id="{3F61B399-B057-B959-111B-829510FF0941}"/>
               </a:ext>
             </a:extLst>
           </p:cNvPr>
@@ -10639,8 +11099,8 @@
         </p:nvSpPr>
         <p:spPr>
           <a:xfrm>
-            <a:off x="10189815" y="2183484"/>
-            <a:ext cx="1753275" cy="386181"/>
+            <a:off x="10282941" y="3643851"/>
+            <a:ext cx="1753275" cy="1037654"/>
           </a:xfrm>
           <a:prstGeom prst="roundRect">
             <a:avLst/>
@@ -10671,32 +11131,50 @@
           <a:p>
             <a:pPr algn="ctr"/>
             <a:r>
-              <a:rPr lang="en-US" sz="1400" dirty="0"/>
-              <a:t>register.html</a:t>
-            </a:r>
+              <a:rPr lang="en-US" sz="1100" dirty="0"/>
+              <a:t>edit_staff_page.html</a:t>
+            </a:r>
+          </a:p>
+          <a:p>
+            <a:pPr algn="ctr"/>
+            <a:r>
+              <a:rPr lang="en-US" sz="1100" dirty="0"/>
+              <a:t>edit_ staff _add.html</a:t>
+            </a:r>
+          </a:p>
+          <a:p>
+            <a:pPr algn="ctr"/>
+            <a:r>
+              <a:rPr lang="en-US" sz="1100" dirty="0"/>
+              <a:t>editstaff.html</a:t>
+            </a:r>
+          </a:p>
+          <a:p>
+            <a:pPr algn="ctr"/>
+            <a:endParaRPr lang="en-US" sz="1400" dirty="0"/>
           </a:p>
         </p:txBody>
       </p:sp>
       <p:cxnSp>
         <p:nvCxnSpPr>
-          <p:cNvPr id="72" name="Straight Arrow Connector 71">
-            <a:extLst>
-              <a:ext uri="{FF2B5EF4-FFF2-40B4-BE49-F238E27FC236}">
-                <a16:creationId xmlns:a16="http://schemas.microsoft.com/office/drawing/2014/main" id="{90FF1140-EC50-83DA-7B24-53491C2A3B4D}"/>
+          <p:cNvPr id="94" name="Straight Arrow Connector 93">
+            <a:extLst>
+              <a:ext uri="{FF2B5EF4-FFF2-40B4-BE49-F238E27FC236}">
+                <a16:creationId xmlns:a16="http://schemas.microsoft.com/office/drawing/2014/main" id="{6858B374-728A-CE58-BECC-6EFB154808A5}"/>
               </a:ext>
             </a:extLst>
           </p:cNvPr>
           <p:cNvCxnSpPr>
             <a:cxnSpLocks/>
-            <a:stCxn id="64" idx="3"/>
-            <a:endCxn id="68" idx="1"/>
+            <a:stCxn id="88" idx="3"/>
+            <a:endCxn id="93" idx="1"/>
           </p:cNvCxnSpPr>
           <p:nvPr/>
         </p:nvCxnSpPr>
         <p:spPr>
-          <a:xfrm flipV="1">
-            <a:off x="9805457" y="2376575"/>
-            <a:ext cx="384358" cy="52086"/>
+          <a:xfrm>
+            <a:off x="9812087" y="4162678"/>
+            <a:ext cx="470854" cy="0"/>
           </a:xfrm>
           <a:prstGeom prst="straightConnector1">
             <a:avLst/>
@@ -10720,22 +11198,264 @@
           </a:fontRef>
         </p:style>
       </p:cxnSp>
+      <p:sp>
+        <p:nvSpPr>
+          <p:cNvPr id="101" name="Rectangle: Rounded Corners 100">
+            <a:extLst>
+              <a:ext uri="{FF2B5EF4-FFF2-40B4-BE49-F238E27FC236}">
+                <a16:creationId xmlns:a16="http://schemas.microsoft.com/office/drawing/2014/main" id="{A33FAA0A-A7E0-C039-E716-B9C93E16D2E2}"/>
+              </a:ext>
+            </a:extLst>
+          </p:cNvPr>
+          <p:cNvSpPr/>
+          <p:nvPr/>
+        </p:nvSpPr>
+        <p:spPr>
+          <a:xfrm>
+            <a:off x="4090339" y="3996469"/>
+            <a:ext cx="1123144" cy="466771"/>
+          </a:xfrm>
+          <a:prstGeom prst="roundRect">
+            <a:avLst/>
+          </a:prstGeom>
+        </p:spPr>
+        <p:style>
+          <a:lnRef idx="2">
+            <a:schemeClr val="accent2"/>
+          </a:lnRef>
+          <a:fillRef idx="1">
+            <a:schemeClr val="lt1"/>
+          </a:fillRef>
+          <a:effectRef idx="0">
+            <a:schemeClr val="accent2"/>
+          </a:effectRef>
+          <a:fontRef idx="minor">
+            <a:schemeClr val="dk1"/>
+          </a:fontRef>
+        </p:style>
+        <p:txBody>
+          <a:bodyPr rtlCol="0" anchor="ctr"/>
+          <a:lstStyle/>
+          <a:p>
+            <a:pPr algn="ctr"/>
+            <a:r>
+              <a:rPr lang="en-US" sz="1100" dirty="0"/>
+              <a:t>/</a:t>
+            </a:r>
+            <a:r>
+              <a:rPr lang="en-US" sz="1100" dirty="0" err="1"/>
+              <a:t>edit_staff_page</a:t>
+            </a:r>
+            <a:r>
+              <a:rPr lang="en-US" sz="1100" dirty="0"/>
+              <a:t>/&lt;</a:t>
+            </a:r>
+            <a:r>
+              <a:rPr lang="en-US" sz="1100" dirty="0" err="1"/>
+              <a:t>int:staff_id</a:t>
+            </a:r>
+            <a:r>
+              <a:rPr lang="en-US" sz="1100" dirty="0"/>
+              <a:t>&gt;</a:t>
+            </a:r>
+          </a:p>
+        </p:txBody>
+      </p:sp>
+      <p:sp>
+        <p:nvSpPr>
+          <p:cNvPr id="102" name="Rectangle: Rounded Corners 101">
+            <a:extLst>
+              <a:ext uri="{FF2B5EF4-FFF2-40B4-BE49-F238E27FC236}">
+                <a16:creationId xmlns:a16="http://schemas.microsoft.com/office/drawing/2014/main" id="{8C0779B8-A10C-2C0A-82FB-136F760499D0}"/>
+              </a:ext>
+            </a:extLst>
+          </p:cNvPr>
+          <p:cNvSpPr/>
+          <p:nvPr/>
+        </p:nvSpPr>
+        <p:spPr>
+          <a:xfrm>
+            <a:off x="4081278" y="4503908"/>
+            <a:ext cx="1123144" cy="230179"/>
+          </a:xfrm>
+          <a:prstGeom prst="roundRect">
+            <a:avLst/>
+          </a:prstGeom>
+        </p:spPr>
+        <p:style>
+          <a:lnRef idx="2">
+            <a:schemeClr val="accent2"/>
+          </a:lnRef>
+          <a:fillRef idx="1">
+            <a:schemeClr val="lt1"/>
+          </a:fillRef>
+          <a:effectRef idx="0">
+            <a:schemeClr val="accent2"/>
+          </a:effectRef>
+          <a:fontRef idx="minor">
+            <a:schemeClr val="dk1"/>
+          </a:fontRef>
+        </p:style>
+        <p:txBody>
+          <a:bodyPr rtlCol="0" anchor="ctr"/>
+          <a:lstStyle/>
+          <a:p>
+            <a:pPr algn="ctr"/>
+            <a:r>
+              <a:rPr lang="en-US" sz="1100" dirty="0"/>
+              <a:t>/</a:t>
+            </a:r>
+            <a:r>
+              <a:rPr lang="en-US" sz="1100" dirty="0" err="1"/>
+              <a:t>edit_staff_add</a:t>
+            </a:r>
+            <a:endParaRPr lang="en-US" sz="1100" dirty="0"/>
+          </a:p>
+        </p:txBody>
+      </p:sp>
+      <p:sp>
+        <p:nvSpPr>
+          <p:cNvPr id="105" name="Rectangle: Rounded Corners 104">
+            <a:extLst>
+              <a:ext uri="{FF2B5EF4-FFF2-40B4-BE49-F238E27FC236}">
+                <a16:creationId xmlns:a16="http://schemas.microsoft.com/office/drawing/2014/main" id="{5E73B3FE-159B-67AD-FF97-11330CDDCC41}"/>
+              </a:ext>
+            </a:extLst>
+          </p:cNvPr>
+          <p:cNvSpPr/>
+          <p:nvPr/>
+        </p:nvSpPr>
+        <p:spPr>
+          <a:xfrm>
+            <a:off x="4087908" y="4904162"/>
+            <a:ext cx="1123144" cy="330269"/>
+          </a:xfrm>
+          <a:prstGeom prst="roundRect">
+            <a:avLst/>
+          </a:prstGeom>
+        </p:spPr>
+        <p:style>
+          <a:lnRef idx="2">
+            <a:schemeClr val="accent2"/>
+          </a:lnRef>
+          <a:fillRef idx="1">
+            <a:schemeClr val="lt1"/>
+          </a:fillRef>
+          <a:effectRef idx="0">
+            <a:schemeClr val="accent2"/>
+          </a:effectRef>
+          <a:fontRef idx="minor">
+            <a:schemeClr val="dk1"/>
+          </a:fontRef>
+        </p:style>
+        <p:txBody>
+          <a:bodyPr rtlCol="0" anchor="ctr"/>
+          <a:lstStyle/>
+          <a:p>
+            <a:pPr algn="ctr"/>
+            <a:r>
+              <a:rPr lang="en-US" sz="1000" dirty="0"/>
+              <a:t>/</a:t>
+            </a:r>
+            <a:r>
+              <a:rPr lang="en-US" sz="1000" dirty="0" err="1"/>
+              <a:t>delete_staff</a:t>
+            </a:r>
+            <a:r>
+              <a:rPr lang="en-US" sz="1000" dirty="0"/>
+              <a:t>/&lt;</a:t>
+            </a:r>
+            <a:r>
+              <a:rPr lang="en-US" sz="1000" dirty="0" err="1"/>
+              <a:t>int:staff_id</a:t>
+            </a:r>
+            <a:r>
+              <a:rPr lang="en-US" sz="1000" dirty="0"/>
+              <a:t>&gt;</a:t>
+            </a:r>
+          </a:p>
+        </p:txBody>
+      </p:sp>
+      <p:sp>
+        <p:nvSpPr>
+          <p:cNvPr id="31" name="Rectangle: Rounded Corners 30">
+            <a:extLst>
+              <a:ext uri="{FF2B5EF4-FFF2-40B4-BE49-F238E27FC236}">
+                <a16:creationId xmlns:a16="http://schemas.microsoft.com/office/drawing/2014/main" id="{C9BA78BE-41A9-F4E5-A6F7-1BA38E374219}"/>
+              </a:ext>
+            </a:extLst>
+          </p:cNvPr>
+          <p:cNvSpPr/>
+          <p:nvPr/>
+        </p:nvSpPr>
+        <p:spPr>
+          <a:xfrm>
+            <a:off x="5718082" y="3527414"/>
+            <a:ext cx="1010621" cy="369332"/>
+          </a:xfrm>
+          <a:prstGeom prst="roundRect">
+            <a:avLst/>
+          </a:prstGeom>
+        </p:spPr>
+        <p:style>
+          <a:lnRef idx="2">
+            <a:schemeClr val="accent2"/>
+          </a:lnRef>
+          <a:fillRef idx="1">
+            <a:schemeClr val="lt1"/>
+          </a:fillRef>
+          <a:effectRef idx="0">
+            <a:schemeClr val="accent2"/>
+          </a:effectRef>
+          <a:fontRef idx="minor">
+            <a:schemeClr val="dk1"/>
+          </a:fontRef>
+        </p:style>
+        <p:txBody>
+          <a:bodyPr rtlCol="0" anchor="ctr"/>
+          <a:lstStyle/>
+          <a:p>
+            <a:r>
+              <a:rPr lang="en-US" sz="1000" b="0" dirty="0" err="1">
+                <a:solidFill>
+                  <a:schemeClr val="tx1"/>
+                </a:solidFill>
+                <a:effectLst/>
+                <a:latin typeface="Consolas" panose="020B0609020204030204" pitchFamily="49" charset="0"/>
+              </a:rPr>
+              <a:t>editstaff</a:t>
+            </a:r>
+            <a:r>
+              <a:rPr lang="en-US" sz="1000" b="0" dirty="0">
+                <a:solidFill>
+                  <a:schemeClr val="tx1"/>
+                </a:solidFill>
+                <a:effectLst/>
+                <a:latin typeface="Consolas" panose="020B0609020204030204" pitchFamily="49" charset="0"/>
+              </a:rPr>
+              <a:t>()</a:t>
+            </a:r>
+          </a:p>
+        </p:txBody>
+      </p:sp>
       <p:cxnSp>
         <p:nvCxnSpPr>
-          <p:cNvPr id="78" name="Straight Connector 77">
-            <a:extLst>
-              <a:ext uri="{FF2B5EF4-FFF2-40B4-BE49-F238E27FC236}">
-                <a16:creationId xmlns:a16="http://schemas.microsoft.com/office/drawing/2014/main" id="{8937DA3F-963F-60FA-0F24-18CC587A4D51}"/>
-              </a:ext>
-            </a:extLst>
-          </p:cNvPr>
-          <p:cNvCxnSpPr/>
+          <p:cNvPr id="35" name="Straight Connector 34">
+            <a:extLst>
+              <a:ext uri="{FF2B5EF4-FFF2-40B4-BE49-F238E27FC236}">
+                <a16:creationId xmlns:a16="http://schemas.microsoft.com/office/drawing/2014/main" id="{0E93E0BC-354F-5A06-D3E8-BBDE38D14B95}"/>
+              </a:ext>
+            </a:extLst>
+          </p:cNvPr>
+          <p:cNvCxnSpPr>
+            <a:cxnSpLocks/>
+          </p:cNvCxnSpPr>
           <p:nvPr/>
         </p:nvCxnSpPr>
         <p:spPr>
-          <a:xfrm>
-            <a:off x="5037252" y="2416095"/>
-            <a:ext cx="657055" cy="1614"/>
+          <a:xfrm flipV="1">
+            <a:off x="5130431" y="3730337"/>
+            <a:ext cx="574653" cy="10911"/>
           </a:xfrm>
           <a:prstGeom prst="line">
             <a:avLst/>
@@ -10767,10 +11487,10 @@
       </p:cxnSp>
       <p:sp>
         <p:nvSpPr>
-          <p:cNvPr id="79" name="Rectangle: Rounded Corners 78">
-            <a:extLst>
-              <a:ext uri="{FF2B5EF4-FFF2-40B4-BE49-F238E27FC236}">
-                <a16:creationId xmlns:a16="http://schemas.microsoft.com/office/drawing/2014/main" id="{2F094661-8AB1-50E1-16E1-8ADDA8FEC209}"/>
+          <p:cNvPr id="39" name="Rectangle: Rounded Corners 38">
+            <a:extLst>
+              <a:ext uri="{FF2B5EF4-FFF2-40B4-BE49-F238E27FC236}">
+                <a16:creationId xmlns:a16="http://schemas.microsoft.com/office/drawing/2014/main" id="{3FE83185-8243-6753-188C-CD055F828A70}"/>
               </a:ext>
             </a:extLst>
           </p:cNvPr>
@@ -10779,8 +11499,8 @@
         </p:nvSpPr>
         <p:spPr>
           <a:xfrm>
-            <a:off x="5724522" y="2267488"/>
-            <a:ext cx="944755" cy="320082"/>
+            <a:off x="5637898" y="3981312"/>
+            <a:ext cx="1123144" cy="481928"/>
           </a:xfrm>
           <a:prstGeom prst="roundRect">
             <a:avLst/>
@@ -10805,314 +11525,68 @@
           <a:lstStyle/>
           <a:p>
             <a:r>
-              <a:rPr lang="en-US" sz="1400" b="0" dirty="0">
+              <a:rPr lang="en-US" sz="1000" b="0" dirty="0" err="1">
                 <a:solidFill>
                   <a:schemeClr val="tx1"/>
                 </a:solidFill>
                 <a:effectLst/>
                 <a:latin typeface="Consolas" panose="020B0609020204030204" pitchFamily="49" charset="0"/>
               </a:rPr>
-              <a:t> </a:t>
-            </a:r>
-            <a:r>
-              <a:rPr lang="en-US" sz="1200" b="0" dirty="0">
+              <a:t>edit_staff_page</a:t>
+            </a:r>
+            <a:r>
+              <a:rPr lang="en-US" sz="1000" b="0" dirty="0">
                 <a:solidFill>
                   <a:schemeClr val="tx1"/>
                 </a:solidFill>
                 <a:effectLst/>
                 <a:latin typeface="Consolas" panose="020B0609020204030204" pitchFamily="49" charset="0"/>
               </a:rPr>
-              <a:t>home()</a:t>
-            </a:r>
-            <a:endParaRPr lang="en-US" sz="1400" b="0" dirty="0">
-              <a:solidFill>
-                <a:schemeClr val="tx1"/>
-              </a:solidFill>
-              <a:effectLst/>
-              <a:latin typeface="Consolas" panose="020B0609020204030204" pitchFamily="49" charset="0"/>
-            </a:endParaRPr>
+              <a:t>(</a:t>
+            </a:r>
+            <a:r>
+              <a:rPr lang="en-US" sz="1000" b="0" dirty="0" err="1">
+                <a:solidFill>
+                  <a:schemeClr val="tx1"/>
+                </a:solidFill>
+                <a:effectLst/>
+                <a:latin typeface="Consolas" panose="020B0609020204030204" pitchFamily="49" charset="0"/>
+              </a:rPr>
+              <a:t>staff_id</a:t>
+            </a:r>
+            <a:r>
+              <a:rPr lang="en-US" sz="1000" b="0" dirty="0">
+                <a:solidFill>
+                  <a:schemeClr val="tx1"/>
+                </a:solidFill>
+                <a:effectLst/>
+                <a:latin typeface="Consolas" panose="020B0609020204030204" pitchFamily="49" charset="0"/>
+              </a:rPr>
+              <a:t>)</a:t>
+            </a:r>
           </a:p>
         </p:txBody>
       </p:sp>
       <p:cxnSp>
         <p:nvCxnSpPr>
-          <p:cNvPr id="80" name="Straight Arrow Connector 79">
-            <a:extLst>
-              <a:ext uri="{FF2B5EF4-FFF2-40B4-BE49-F238E27FC236}">
-                <a16:creationId xmlns:a16="http://schemas.microsoft.com/office/drawing/2014/main" id="{4325B9EC-0004-A263-5329-28FE3A163245}"/>
+          <p:cNvPr id="40" name="Straight Connector 39">
+            <a:extLst>
+              <a:ext uri="{FF2B5EF4-FFF2-40B4-BE49-F238E27FC236}">
+                <a16:creationId xmlns:a16="http://schemas.microsoft.com/office/drawing/2014/main" id="{0EE4C383-DA24-2B41-6259-976BEBC37D00}"/>
               </a:ext>
             </a:extLst>
           </p:cNvPr>
           <p:cNvCxnSpPr>
             <a:cxnSpLocks/>
-            <a:stCxn id="79" idx="3"/>
+            <a:stCxn id="101" idx="3"/>
+            <a:endCxn id="39" idx="1"/>
           </p:cNvCxnSpPr>
           <p:nvPr/>
         </p:nvCxnSpPr>
         <p:spPr>
-          <a:xfrm>
-            <a:off x="6669277" y="2427529"/>
-            <a:ext cx="833059" cy="461486"/>
-          </a:xfrm>
-          <a:prstGeom prst="straightConnector1">
-            <a:avLst/>
-          </a:prstGeom>
-          <a:ln>
-            <a:tailEnd type="triangle"/>
-          </a:ln>
-        </p:spPr>
-        <p:style>
-          <a:lnRef idx="3">
-            <a:schemeClr val="accent6"/>
-          </a:lnRef>
-          <a:fillRef idx="0">
-            <a:schemeClr val="accent6"/>
-          </a:fillRef>
-          <a:effectRef idx="2">
-            <a:schemeClr val="accent6"/>
-          </a:effectRef>
-          <a:fontRef idx="minor">
-            <a:schemeClr val="tx1"/>
-          </a:fontRef>
-        </p:style>
-      </p:cxnSp>
-      <p:sp>
-        <p:nvSpPr>
-          <p:cNvPr id="81" name="Rectangle: Rounded Corners 80">
-            <a:extLst>
-              <a:ext uri="{FF2B5EF4-FFF2-40B4-BE49-F238E27FC236}">
-                <a16:creationId xmlns:a16="http://schemas.microsoft.com/office/drawing/2014/main" id="{B0FA59C6-6FD4-71C3-876D-073B858E116E}"/>
-              </a:ext>
-            </a:extLst>
-          </p:cNvPr>
-          <p:cNvSpPr/>
-          <p:nvPr/>
-        </p:nvSpPr>
-        <p:spPr>
-          <a:xfrm>
-            <a:off x="7483832" y="2749089"/>
-            <a:ext cx="2309751" cy="322345"/>
-          </a:xfrm>
-          <a:prstGeom prst="roundRect">
-            <a:avLst/>
-          </a:prstGeom>
-        </p:spPr>
-        <p:style>
-          <a:lnRef idx="2">
-            <a:schemeClr val="accent6"/>
-          </a:lnRef>
-          <a:fillRef idx="1">
-            <a:schemeClr val="lt1"/>
-          </a:fillRef>
-          <a:effectRef idx="0">
-            <a:schemeClr val="accent6"/>
-          </a:effectRef>
-          <a:fontRef idx="minor">
-            <a:schemeClr val="dk1"/>
-          </a:fontRef>
-        </p:style>
-        <p:txBody>
-          <a:bodyPr rtlCol="0" anchor="ctr"/>
-          <a:lstStyle/>
-          <a:p>
-            <a:pPr algn="ctr"/>
-            <a:r>
-              <a:rPr lang="en-US" sz="1100" b="0" i="0" dirty="0">
-                <a:solidFill>
-                  <a:srgbClr val="0F0F0F"/>
-                </a:solidFill>
-                <a:effectLst/>
-                <a:latin typeface="Söhne"/>
-              </a:rPr>
-              <a:t>Displays the home page (</a:t>
-            </a:r>
-            <a:r>
-              <a:rPr lang="en-US" sz="1100" dirty="0">
-                <a:solidFill>
-                  <a:srgbClr val="0F0F0F"/>
-                </a:solidFill>
-                <a:latin typeface="Söhne"/>
-              </a:rPr>
-              <a:t>view </a:t>
-            </a:r>
-            <a:r>
-              <a:rPr lang="en-US" sz="1100" b="0" i="0" dirty="0">
-                <a:solidFill>
-                  <a:srgbClr val="0F0F0F"/>
-                </a:solidFill>
-                <a:effectLst/>
-                <a:latin typeface="Söhne"/>
-              </a:rPr>
-              <a:t>house information)</a:t>
-            </a:r>
-            <a:endParaRPr lang="en-US" sz="1100" dirty="0"/>
-          </a:p>
-        </p:txBody>
-      </p:sp>
-      <p:cxnSp>
-        <p:nvCxnSpPr>
-          <p:cNvPr id="82" name="Straight Arrow Connector 81">
-            <a:extLst>
-              <a:ext uri="{FF2B5EF4-FFF2-40B4-BE49-F238E27FC236}">
-                <a16:creationId xmlns:a16="http://schemas.microsoft.com/office/drawing/2014/main" id="{AADE268B-8CEE-351D-4378-CF10D53F9FD0}"/>
-              </a:ext>
-            </a:extLst>
-          </p:cNvPr>
-          <p:cNvCxnSpPr>
-            <a:cxnSpLocks/>
-            <a:endCxn id="83" idx="1"/>
-          </p:cNvCxnSpPr>
-          <p:nvPr/>
-        </p:nvCxnSpPr>
-        <p:spPr>
-          <a:xfrm>
-            <a:off x="9805457" y="2865776"/>
-            <a:ext cx="396232" cy="9681"/>
-          </a:xfrm>
-          <a:prstGeom prst="straightConnector1">
-            <a:avLst/>
-          </a:prstGeom>
-          <a:ln>
-            <a:tailEnd type="triangle"/>
-          </a:ln>
-        </p:spPr>
-        <p:style>
-          <a:lnRef idx="3">
-            <a:schemeClr val="accent6"/>
-          </a:lnRef>
-          <a:fillRef idx="0">
-            <a:schemeClr val="accent6"/>
-          </a:fillRef>
-          <a:effectRef idx="2">
-            <a:schemeClr val="accent6"/>
-          </a:effectRef>
-          <a:fontRef idx="minor">
-            <a:schemeClr val="tx1"/>
-          </a:fontRef>
-        </p:style>
-      </p:cxnSp>
-      <p:sp>
-        <p:nvSpPr>
-          <p:cNvPr id="83" name="Rectangle: Rounded Corners 82">
-            <a:extLst>
-              <a:ext uri="{FF2B5EF4-FFF2-40B4-BE49-F238E27FC236}">
-                <a16:creationId xmlns:a16="http://schemas.microsoft.com/office/drawing/2014/main" id="{BF56DF96-1CF8-1B13-7183-423E499C8AAA}"/>
-              </a:ext>
-            </a:extLst>
-          </p:cNvPr>
-          <p:cNvSpPr/>
-          <p:nvPr/>
-        </p:nvSpPr>
-        <p:spPr>
-          <a:xfrm>
-            <a:off x="10201689" y="2682366"/>
-            <a:ext cx="1753275" cy="386181"/>
-          </a:xfrm>
-          <a:prstGeom prst="roundRect">
-            <a:avLst/>
-          </a:prstGeom>
-          <a:ln>
-            <a:solidFill>
-              <a:srgbClr val="7030A0"/>
-            </a:solidFill>
-          </a:ln>
-        </p:spPr>
-        <p:style>
-          <a:lnRef idx="2">
-            <a:schemeClr val="accent6"/>
-          </a:lnRef>
-          <a:fillRef idx="1">
-            <a:schemeClr val="lt1"/>
-          </a:fillRef>
-          <a:effectRef idx="0">
-            <a:schemeClr val="accent6"/>
-          </a:effectRef>
-          <a:fontRef idx="minor">
-            <a:schemeClr val="dk1"/>
-          </a:fontRef>
-        </p:style>
-        <p:txBody>
-          <a:bodyPr rtlCol="0" anchor="ctr"/>
-          <a:lstStyle/>
-          <a:p>
-            <a:pPr algn="ctr"/>
-            <a:r>
-              <a:rPr lang="en-US" sz="1400" dirty="0"/>
-              <a:t>home.html</a:t>
-            </a:r>
-          </a:p>
-        </p:txBody>
-      </p:sp>
-      <p:sp>
-        <p:nvSpPr>
-          <p:cNvPr id="85" name="Rectangle: Rounded Corners 84">
-            <a:extLst>
-              <a:ext uri="{FF2B5EF4-FFF2-40B4-BE49-F238E27FC236}">
-                <a16:creationId xmlns:a16="http://schemas.microsoft.com/office/drawing/2014/main" id="{D4D06C92-EA0A-623F-1BCE-6967686E3A59}"/>
-              </a:ext>
-            </a:extLst>
-          </p:cNvPr>
-          <p:cNvSpPr/>
-          <p:nvPr/>
-        </p:nvSpPr>
-        <p:spPr>
-          <a:xfrm>
-            <a:off x="5705084" y="2672759"/>
-            <a:ext cx="998904" cy="307015"/>
-          </a:xfrm>
-          <a:prstGeom prst="roundRect">
-            <a:avLst/>
-          </a:prstGeom>
-        </p:spPr>
-        <p:style>
-          <a:lnRef idx="2">
-            <a:schemeClr val="accent2"/>
-          </a:lnRef>
-          <a:fillRef idx="1">
-            <a:schemeClr val="lt1"/>
-          </a:fillRef>
-          <a:effectRef idx="0">
-            <a:schemeClr val="accent2"/>
-          </a:effectRef>
-          <a:fontRef idx="minor">
-            <a:schemeClr val="dk1"/>
-          </a:fontRef>
-        </p:style>
-        <p:txBody>
-          <a:bodyPr rtlCol="0" anchor="ctr"/>
-          <a:lstStyle/>
-          <a:p>
-            <a:pPr algn="ctr"/>
-            <a:r>
-              <a:rPr lang="en-US" sz="1200" dirty="0" err="1"/>
-              <a:t>Staffhome</a:t>
-            </a:r>
-            <a:r>
-              <a:rPr lang="en-US" sz="1200" dirty="0"/>
-              <a:t>( )</a:t>
-            </a:r>
-          </a:p>
-        </p:txBody>
-      </p:sp>
-      <p:cxnSp>
-        <p:nvCxnSpPr>
-          <p:cNvPr id="86" name="Straight Connector 85">
-            <a:extLst>
-              <a:ext uri="{FF2B5EF4-FFF2-40B4-BE49-F238E27FC236}">
-                <a16:creationId xmlns:a16="http://schemas.microsoft.com/office/drawing/2014/main" id="{C485BEEF-BE0E-0791-A7AA-B1BF70AF3873}"/>
-              </a:ext>
-            </a:extLst>
-          </p:cNvPr>
-          <p:cNvCxnSpPr>
-            <a:cxnSpLocks/>
-            <a:endCxn id="85" idx="1"/>
-          </p:cNvCxnSpPr>
-          <p:nvPr/>
-        </p:nvCxnSpPr>
-        <p:spPr>
           <a:xfrm flipV="1">
-            <a:off x="5130431" y="2826267"/>
-            <a:ext cx="574653" cy="10911"/>
+            <a:off x="5213483" y="4222276"/>
+            <a:ext cx="424415" cy="7579"/>
           </a:xfrm>
           <a:prstGeom prst="line">
             <a:avLst/>
@@ -11142,99 +11616,26 @@
           </a:fontRef>
         </p:style>
       </p:cxnSp>
-      <p:sp>
-        <p:nvSpPr>
-          <p:cNvPr id="88" name="Rectangle: Rounded Corners 87">
-            <a:extLst>
-              <a:ext uri="{FF2B5EF4-FFF2-40B4-BE49-F238E27FC236}">
-                <a16:creationId xmlns:a16="http://schemas.microsoft.com/office/drawing/2014/main" id="{1BF8CD8E-0D91-5D4D-ABA1-F8D143836975}"/>
-              </a:ext>
-            </a:extLst>
-          </p:cNvPr>
-          <p:cNvSpPr/>
-          <p:nvPr/>
-        </p:nvSpPr>
-        <p:spPr>
-          <a:xfrm>
-            <a:off x="7502336" y="3209603"/>
-            <a:ext cx="2309751" cy="1134530"/>
-          </a:xfrm>
-          <a:prstGeom prst="roundRect">
-            <a:avLst/>
-          </a:prstGeom>
-        </p:spPr>
-        <p:style>
-          <a:lnRef idx="2">
-            <a:schemeClr val="accent6"/>
-          </a:lnRef>
-          <a:fillRef idx="1">
-            <a:schemeClr val="lt1"/>
-          </a:fillRef>
-          <a:effectRef idx="0">
-            <a:schemeClr val="accent6"/>
-          </a:effectRef>
-          <a:fontRef idx="minor">
-            <a:schemeClr val="dk1"/>
-          </a:fontRef>
-        </p:style>
-        <p:txBody>
-          <a:bodyPr rtlCol="0" anchor="ctr"/>
-          <a:lstStyle/>
-          <a:p>
-            <a:pPr algn="ctr"/>
-            <a:r>
-              <a:rPr lang="en-US" sz="1100" b="0" i="0" dirty="0">
-                <a:solidFill>
-                  <a:srgbClr val="0F0F0F"/>
-                </a:solidFill>
-                <a:effectLst/>
-                <a:latin typeface="Söhne"/>
-              </a:rPr>
-              <a:t>Displays the staff home page (</a:t>
-            </a:r>
-            <a:r>
-              <a:rPr lang="en-US" sz="1100" dirty="0">
-                <a:solidFill>
-                  <a:srgbClr val="0F0F0F"/>
-                </a:solidFill>
-                <a:latin typeface="Söhne"/>
-              </a:rPr>
-              <a:t>view, edit and delete </a:t>
-            </a:r>
-            <a:r>
-              <a:rPr lang="en-US" sz="1100" b="0" i="0" dirty="0">
-                <a:solidFill>
-                  <a:srgbClr val="0F0F0F"/>
-                </a:solidFill>
-                <a:effectLst/>
-                <a:latin typeface="Söhne"/>
-              </a:rPr>
-              <a:t>house information)</a:t>
-            </a:r>
-            <a:endParaRPr lang="en-US" sz="1100" dirty="0"/>
-          </a:p>
-        </p:txBody>
-      </p:sp>
       <p:cxnSp>
         <p:nvCxnSpPr>
-          <p:cNvPr id="89" name="Straight Arrow Connector 88">
-            <a:extLst>
-              <a:ext uri="{FF2B5EF4-FFF2-40B4-BE49-F238E27FC236}">
-                <a16:creationId xmlns:a16="http://schemas.microsoft.com/office/drawing/2014/main" id="{7C66BC76-9FA5-0F7E-4713-07C90D5E01C9}"/>
+          <p:cNvPr id="52" name="Straight Arrow Connector 51">
+            <a:extLst>
+              <a:ext uri="{FF2B5EF4-FFF2-40B4-BE49-F238E27FC236}">
+                <a16:creationId xmlns:a16="http://schemas.microsoft.com/office/drawing/2014/main" id="{F6B08A38-B1F2-8190-25FD-6A2DCF46046F}"/>
               </a:ext>
             </a:extLst>
           </p:cNvPr>
           <p:cNvCxnSpPr>
             <a:cxnSpLocks/>
-            <a:stCxn id="85" idx="3"/>
+            <a:stCxn id="31" idx="3"/>
             <a:endCxn id="88" idx="1"/>
           </p:cNvCxnSpPr>
           <p:nvPr/>
         </p:nvCxnSpPr>
         <p:spPr>
           <a:xfrm>
-            <a:off x="6703988" y="2826267"/>
-            <a:ext cx="798348" cy="950601"/>
+            <a:off x="6728703" y="3712080"/>
+            <a:ext cx="773633" cy="450598"/>
           </a:xfrm>
           <a:prstGeom prst="straightConnector1">
             <a:avLst/>
@@ -11258,78 +11659,26 @@
           </a:fontRef>
         </p:style>
       </p:cxnSp>
-      <p:sp>
-        <p:nvSpPr>
-          <p:cNvPr id="93" name="Rectangle: Rounded Corners 92">
-            <a:extLst>
-              <a:ext uri="{FF2B5EF4-FFF2-40B4-BE49-F238E27FC236}">
-                <a16:creationId xmlns:a16="http://schemas.microsoft.com/office/drawing/2014/main" id="{3F61B399-B057-B959-111B-829510FF0941}"/>
-              </a:ext>
-            </a:extLst>
-          </p:cNvPr>
-          <p:cNvSpPr/>
-          <p:nvPr/>
-        </p:nvSpPr>
-        <p:spPr>
-          <a:xfrm>
-            <a:off x="10201689" y="3165555"/>
-            <a:ext cx="1753275" cy="386181"/>
-          </a:xfrm>
-          <a:prstGeom prst="roundRect">
-            <a:avLst/>
-          </a:prstGeom>
-          <a:ln>
-            <a:solidFill>
-              <a:srgbClr val="7030A0"/>
-            </a:solidFill>
-          </a:ln>
-        </p:spPr>
-        <p:style>
-          <a:lnRef idx="2">
-            <a:schemeClr val="accent6"/>
-          </a:lnRef>
-          <a:fillRef idx="1">
-            <a:schemeClr val="lt1"/>
-          </a:fillRef>
-          <a:effectRef idx="0">
-            <a:schemeClr val="accent6"/>
-          </a:effectRef>
-          <a:fontRef idx="minor">
-            <a:schemeClr val="dk1"/>
-          </a:fontRef>
-        </p:style>
-        <p:txBody>
-          <a:bodyPr rtlCol="0" anchor="ctr"/>
-          <a:lstStyle/>
-          <a:p>
-            <a:pPr algn="ctr"/>
-            <a:r>
-              <a:rPr lang="en-US" sz="1400" dirty="0"/>
-              <a:t>staffhome.html</a:t>
-            </a:r>
-          </a:p>
-        </p:txBody>
-      </p:sp>
       <p:cxnSp>
         <p:nvCxnSpPr>
-          <p:cNvPr id="94" name="Straight Arrow Connector 93">
-            <a:extLst>
-              <a:ext uri="{FF2B5EF4-FFF2-40B4-BE49-F238E27FC236}">
-                <a16:creationId xmlns:a16="http://schemas.microsoft.com/office/drawing/2014/main" id="{6858B374-728A-CE58-BECC-6EFB154808A5}"/>
+          <p:cNvPr id="57" name="Straight Arrow Connector 56">
+            <a:extLst>
+              <a:ext uri="{FF2B5EF4-FFF2-40B4-BE49-F238E27FC236}">
+                <a16:creationId xmlns:a16="http://schemas.microsoft.com/office/drawing/2014/main" id="{18CCDBD2-6377-5132-3B96-A6161ECDFEC0}"/>
               </a:ext>
             </a:extLst>
           </p:cNvPr>
           <p:cNvCxnSpPr>
             <a:cxnSpLocks/>
-            <a:stCxn id="88" idx="3"/>
-            <a:endCxn id="93" idx="1"/>
+            <a:stCxn id="39" idx="3"/>
+            <a:endCxn id="88" idx="1"/>
           </p:cNvCxnSpPr>
           <p:nvPr/>
         </p:nvCxnSpPr>
         <p:spPr>
           <a:xfrm flipV="1">
-            <a:off x="9812087" y="3358646"/>
-            <a:ext cx="389602" cy="418222"/>
+            <a:off x="6761042" y="4162678"/>
+            <a:ext cx="741294" cy="59598"/>
           </a:xfrm>
           <a:prstGeom prst="straightConnector1">
             <a:avLst/>
@@ -11355,10 +11704,10 @@
       </p:cxnSp>
       <p:sp>
         <p:nvSpPr>
-          <p:cNvPr id="97" name="Rectangle: Rounded Corners 96">
-            <a:extLst>
-              <a:ext uri="{FF2B5EF4-FFF2-40B4-BE49-F238E27FC236}">
-                <a16:creationId xmlns:a16="http://schemas.microsoft.com/office/drawing/2014/main" id="{3EA4FB9A-4EA1-DB26-682F-51C86B34CC45}"/>
+          <p:cNvPr id="73" name="Rectangle: Rounded Corners 72">
+            <a:extLst>
+              <a:ext uri="{FF2B5EF4-FFF2-40B4-BE49-F238E27FC236}">
+                <a16:creationId xmlns:a16="http://schemas.microsoft.com/office/drawing/2014/main" id="{0A4E869A-21DD-93AF-F8BF-1A14D0364358}"/>
               </a:ext>
             </a:extLst>
           </p:cNvPr>
@@ -11367,8 +11716,8 @@
         </p:nvSpPr>
         <p:spPr>
           <a:xfrm>
-            <a:off x="5705084" y="3108403"/>
-            <a:ext cx="998904" cy="276642"/>
+            <a:off x="5615889" y="4520152"/>
+            <a:ext cx="1123144" cy="230179"/>
           </a:xfrm>
           <a:prstGeom prst="roundRect">
             <a:avLst/>
@@ -11394,22 +11743,69 @@
           <a:p>
             <a:pPr algn="ctr"/>
             <a:r>
-              <a:rPr lang="en-US" sz="1200" dirty="0" err="1"/>
-              <a:t>Staffhome</a:t>
-            </a:r>
-            <a:r>
-              <a:rPr lang="en-US" sz="1200" dirty="0"/>
-              <a:t>( )</a:t>
-            </a:r>
-          </a:p>
-        </p:txBody>
-      </p:sp>
-      <p:sp>
-        <p:nvSpPr>
-          <p:cNvPr id="101" name="Rectangle: Rounded Corners 100">
-            <a:extLst>
-              <a:ext uri="{FF2B5EF4-FFF2-40B4-BE49-F238E27FC236}">
-                <a16:creationId xmlns:a16="http://schemas.microsoft.com/office/drawing/2014/main" id="{A33FAA0A-A7E0-C039-E716-B9C93E16D2E2}"/>
+              <a:rPr lang="en-US" sz="1100" dirty="0" err="1"/>
+              <a:t>edit_staff_add</a:t>
+            </a:r>
+            <a:r>
+              <a:rPr lang="en-US" sz="1100" dirty="0"/>
+              <a:t>()</a:t>
+            </a:r>
+          </a:p>
+        </p:txBody>
+      </p:sp>
+      <p:cxnSp>
+        <p:nvCxnSpPr>
+          <p:cNvPr id="74" name="Straight Connector 73">
+            <a:extLst>
+              <a:ext uri="{FF2B5EF4-FFF2-40B4-BE49-F238E27FC236}">
+                <a16:creationId xmlns:a16="http://schemas.microsoft.com/office/drawing/2014/main" id="{E464E01E-33DD-0FDC-5C8F-440C55740393}"/>
+              </a:ext>
+            </a:extLst>
+          </p:cNvPr>
+          <p:cNvCxnSpPr>
+            <a:cxnSpLocks/>
+          </p:cNvCxnSpPr>
+          <p:nvPr/>
+        </p:nvCxnSpPr>
+        <p:spPr>
+          <a:xfrm flipV="1">
+            <a:off x="5211052" y="4611418"/>
+            <a:ext cx="424415" cy="15158"/>
+          </a:xfrm>
+          <a:prstGeom prst="line">
+            <a:avLst/>
+          </a:prstGeom>
+          <a:ln w="19050" cap="flat" cmpd="sng" algn="ctr">
+            <a:solidFill>
+              <a:schemeClr val="accent2"/>
+            </a:solidFill>
+            <a:prstDash val="dash"/>
+            <a:round/>
+            <a:headEnd type="none" w="med" len="med"/>
+            <a:tailEnd type="none" w="med" len="med"/>
+          </a:ln>
+        </p:spPr>
+        <p:style>
+          <a:lnRef idx="0">
+            <a:scrgbClr r="0" g="0" b="0"/>
+          </a:lnRef>
+          <a:fillRef idx="0">
+            <a:scrgbClr r="0" g="0" b="0"/>
+          </a:fillRef>
+          <a:effectRef idx="0">
+            <a:scrgbClr r="0" g="0" b="0"/>
+          </a:effectRef>
+          <a:fontRef idx="minor">
+            <a:schemeClr val="tx1"/>
+          </a:fontRef>
+        </p:style>
+      </p:cxnSp>
+      <p:sp>
+        <p:nvSpPr>
+          <p:cNvPr id="75" name="Rectangle: Rounded Corners 74">
+            <a:extLst>
+              <a:ext uri="{FF2B5EF4-FFF2-40B4-BE49-F238E27FC236}">
+                <a16:creationId xmlns:a16="http://schemas.microsoft.com/office/drawing/2014/main" id="{36A4E27B-3494-6BAC-3DD0-C1E49C2FC40E}"/>
               </a:ext>
             </a:extLst>
           </p:cNvPr>
@@ -11418,8 +11814,8 @@
         </p:nvSpPr>
         <p:spPr>
           <a:xfrm>
-            <a:off x="4099782" y="3938108"/>
-            <a:ext cx="1123144" cy="369332"/>
+            <a:off x="5630017" y="4925232"/>
+            <a:ext cx="1123144" cy="381042"/>
           </a:xfrm>
           <a:prstGeom prst="roundRect">
             <a:avLst/>
@@ -11443,229 +11839,143 @@
           <a:bodyPr rtlCol="0" anchor="ctr"/>
           <a:lstStyle/>
           <a:p>
-            <a:pPr algn="ctr"/>
-            <a:r>
-              <a:rPr lang="en-US" sz="1200" dirty="0"/>
-              <a:t>/</a:t>
-            </a:r>
-            <a:r>
-              <a:rPr lang="en-US" sz="1200" dirty="0" err="1"/>
-              <a:t>delete_house</a:t>
-            </a:r>
-            <a:endParaRPr lang="en-US" sz="1200" dirty="0"/>
-          </a:p>
-        </p:txBody>
-      </p:sp>
-      <p:sp>
-        <p:nvSpPr>
-          <p:cNvPr id="102" name="Rectangle: Rounded Corners 101">
-            <a:extLst>
-              <a:ext uri="{FF2B5EF4-FFF2-40B4-BE49-F238E27FC236}">
-                <a16:creationId xmlns:a16="http://schemas.microsoft.com/office/drawing/2014/main" id="{8C0779B8-A10C-2C0A-82FB-136F760499D0}"/>
-              </a:ext>
-            </a:extLst>
-          </p:cNvPr>
-          <p:cNvSpPr/>
-          <p:nvPr/>
-        </p:nvSpPr>
-        <p:spPr>
-          <a:xfrm>
-            <a:off x="4090984" y="4412548"/>
-            <a:ext cx="1123144" cy="230179"/>
-          </a:xfrm>
-          <a:prstGeom prst="roundRect">
-            <a:avLst/>
-          </a:prstGeom>
-        </p:spPr>
-        <p:style>
-          <a:lnRef idx="2">
-            <a:schemeClr val="accent2"/>
-          </a:lnRef>
-          <a:fillRef idx="1">
-            <a:schemeClr val="lt1"/>
+            <a:r>
+              <a:rPr lang="en-US" sz="1000" b="0" dirty="0" err="1">
+                <a:solidFill>
+                  <a:schemeClr val="tx1"/>
+                </a:solidFill>
+                <a:effectLst/>
+                <a:latin typeface="Consolas" panose="020B0609020204030204" pitchFamily="49" charset="0"/>
+              </a:rPr>
+              <a:t>delete_staff</a:t>
+            </a:r>
+            <a:r>
+              <a:rPr lang="en-US" sz="1000" b="0" dirty="0">
+                <a:solidFill>
+                  <a:schemeClr val="tx1"/>
+                </a:solidFill>
+                <a:effectLst/>
+                <a:latin typeface="Consolas" panose="020B0609020204030204" pitchFamily="49" charset="0"/>
+              </a:rPr>
+              <a:t>(</a:t>
+            </a:r>
+            <a:r>
+              <a:rPr lang="en-US" sz="1000" b="0" dirty="0" err="1">
+                <a:solidFill>
+                  <a:schemeClr val="tx1"/>
+                </a:solidFill>
+                <a:effectLst/>
+                <a:latin typeface="Consolas" panose="020B0609020204030204" pitchFamily="49" charset="0"/>
+              </a:rPr>
+              <a:t>staff_id</a:t>
+            </a:r>
+            <a:r>
+              <a:rPr lang="en-US" sz="1000" b="0" dirty="0">
+                <a:solidFill>
+                  <a:schemeClr val="tx1"/>
+                </a:solidFill>
+                <a:effectLst/>
+                <a:latin typeface="Consolas" panose="020B0609020204030204" pitchFamily="49" charset="0"/>
+              </a:rPr>
+              <a:t>)</a:t>
+            </a:r>
+          </a:p>
+        </p:txBody>
+      </p:sp>
+      <p:cxnSp>
+        <p:nvCxnSpPr>
+          <p:cNvPr id="91" name="Straight Arrow Connector 90">
+            <a:extLst>
+              <a:ext uri="{FF2B5EF4-FFF2-40B4-BE49-F238E27FC236}">
+                <a16:creationId xmlns:a16="http://schemas.microsoft.com/office/drawing/2014/main" id="{303AA4E6-7957-05E4-DCA3-91F9C6CD6F74}"/>
+              </a:ext>
+            </a:extLst>
+          </p:cNvPr>
+          <p:cNvCxnSpPr>
+            <a:cxnSpLocks/>
+            <a:stCxn id="75" idx="3"/>
+            <a:endCxn id="88" idx="1"/>
+          </p:cNvCxnSpPr>
+          <p:nvPr/>
+        </p:nvCxnSpPr>
+        <p:spPr>
+          <a:xfrm flipV="1">
+            <a:off x="6753161" y="4162678"/>
+            <a:ext cx="749175" cy="953075"/>
+          </a:xfrm>
+          <a:prstGeom prst="straightConnector1">
+            <a:avLst/>
+          </a:prstGeom>
+          <a:ln>
+            <a:tailEnd type="triangle"/>
+          </a:ln>
+        </p:spPr>
+        <p:style>
+          <a:lnRef idx="3">
+            <a:schemeClr val="accent6"/>
+          </a:lnRef>
+          <a:fillRef idx="0">
+            <a:schemeClr val="accent6"/>
+          </a:fillRef>
+          <a:effectRef idx="2">
+            <a:schemeClr val="accent6"/>
+          </a:effectRef>
+          <a:fontRef idx="minor">
+            <a:schemeClr val="tx1"/>
+          </a:fontRef>
+        </p:style>
+      </p:cxnSp>
+      <p:cxnSp>
+        <p:nvCxnSpPr>
+          <p:cNvPr id="100" name="Straight Connector 99">
+            <a:extLst>
+              <a:ext uri="{FF2B5EF4-FFF2-40B4-BE49-F238E27FC236}">
+                <a16:creationId xmlns:a16="http://schemas.microsoft.com/office/drawing/2014/main" id="{61147EFF-38C3-A3E6-BDEE-0E8B868DAC0F}"/>
+              </a:ext>
+            </a:extLst>
+          </p:cNvPr>
+          <p:cNvCxnSpPr>
+            <a:cxnSpLocks/>
+          </p:cNvCxnSpPr>
+          <p:nvPr/>
+        </p:nvCxnSpPr>
+        <p:spPr>
+          <a:xfrm flipV="1">
+            <a:off x="5205602" y="5049028"/>
+            <a:ext cx="424415" cy="15158"/>
+          </a:xfrm>
+          <a:prstGeom prst="line">
+            <a:avLst/>
+          </a:prstGeom>
+          <a:ln w="19050" cap="flat" cmpd="sng" algn="ctr">
+            <a:solidFill>
+              <a:schemeClr val="accent2"/>
+            </a:solidFill>
+            <a:prstDash val="dash"/>
+            <a:round/>
+            <a:headEnd type="none" w="med" len="med"/>
+            <a:tailEnd type="none" w="med" len="med"/>
+          </a:ln>
+        </p:spPr>
+        <p:style>
+          <a:lnRef idx="0">
+            <a:scrgbClr r="0" g="0" b="0"/>
+          </a:lnRef>
+          <a:fillRef idx="0">
+            <a:scrgbClr r="0" g="0" b="0"/>
           </a:fillRef>
           <a:effectRef idx="0">
-            <a:schemeClr val="accent2"/>
-          </a:effectRef>
-          <a:fontRef idx="minor">
-            <a:schemeClr val="dk1"/>
-          </a:fontRef>
-        </p:style>
-        <p:txBody>
-          <a:bodyPr rtlCol="0" anchor="ctr"/>
-          <a:lstStyle/>
-          <a:p>
-            <a:pPr algn="ctr"/>
-            <a:r>
-              <a:rPr lang="en-US" sz="1200" dirty="0"/>
-              <a:t>/profile</a:t>
-            </a:r>
-          </a:p>
-        </p:txBody>
-      </p:sp>
-      <p:sp>
-        <p:nvSpPr>
-          <p:cNvPr id="105" name="Rectangle: Rounded Corners 104">
-            <a:extLst>
-              <a:ext uri="{FF2B5EF4-FFF2-40B4-BE49-F238E27FC236}">
-                <a16:creationId xmlns:a16="http://schemas.microsoft.com/office/drawing/2014/main" id="{5E73B3FE-159B-67AD-FF97-11330CDDCC41}"/>
-              </a:ext>
-            </a:extLst>
-          </p:cNvPr>
-          <p:cNvSpPr/>
-          <p:nvPr/>
-        </p:nvSpPr>
-        <p:spPr>
-          <a:xfrm>
-            <a:off x="4114991" y="4716533"/>
-            <a:ext cx="1123144" cy="230179"/>
-          </a:xfrm>
-          <a:prstGeom prst="roundRect">
-            <a:avLst/>
-          </a:prstGeom>
-        </p:spPr>
-        <p:style>
-          <a:lnRef idx="2">
-            <a:schemeClr val="accent2"/>
-          </a:lnRef>
-          <a:fillRef idx="1">
-            <a:schemeClr val="lt1"/>
-          </a:fillRef>
-          <a:effectRef idx="0">
-            <a:schemeClr val="accent2"/>
-          </a:effectRef>
-          <a:fontRef idx="minor">
-            <a:schemeClr val="dk1"/>
-          </a:fontRef>
-        </p:style>
-        <p:txBody>
-          <a:bodyPr rtlCol="0" anchor="ctr"/>
-          <a:lstStyle/>
-          <a:p>
-            <a:pPr algn="ctr"/>
-            <a:r>
-              <a:rPr lang="en-US" sz="1200" dirty="0"/>
-              <a:t>/</a:t>
-            </a:r>
-            <a:r>
-              <a:rPr lang="en-US" sz="1200" dirty="0" err="1"/>
-              <a:t>updateprofile</a:t>
-            </a:r>
-            <a:endParaRPr lang="en-US" sz="1200" dirty="0"/>
-          </a:p>
-        </p:txBody>
-      </p:sp>
-      <p:sp>
-        <p:nvSpPr>
-          <p:cNvPr id="107" name="Rectangle: Rounded Corners 106">
-            <a:extLst>
-              <a:ext uri="{FF2B5EF4-FFF2-40B4-BE49-F238E27FC236}">
-                <a16:creationId xmlns:a16="http://schemas.microsoft.com/office/drawing/2014/main" id="{D7EBFCF3-2436-5E4F-3C0D-A61F299608F7}"/>
-              </a:ext>
-            </a:extLst>
-          </p:cNvPr>
-          <p:cNvSpPr/>
-          <p:nvPr/>
-        </p:nvSpPr>
-        <p:spPr>
-          <a:xfrm>
-            <a:off x="4108559" y="5025536"/>
-            <a:ext cx="1123144" cy="330269"/>
-          </a:xfrm>
-          <a:prstGeom prst="roundRect">
-            <a:avLst/>
-          </a:prstGeom>
-        </p:spPr>
-        <p:style>
-          <a:lnRef idx="2">
-            <a:schemeClr val="accent2"/>
-          </a:lnRef>
-          <a:fillRef idx="1">
-            <a:schemeClr val="lt1"/>
-          </a:fillRef>
-          <a:effectRef idx="0">
-            <a:schemeClr val="accent2"/>
-          </a:effectRef>
-          <a:fontRef idx="minor">
-            <a:schemeClr val="dk1"/>
-          </a:fontRef>
-        </p:style>
-        <p:txBody>
-          <a:bodyPr rtlCol="0" anchor="ctr"/>
-          <a:lstStyle/>
-          <a:p>
-            <a:pPr algn="ctr"/>
-            <a:r>
-              <a:rPr lang="en-US" sz="1200" dirty="0"/>
-              <a:t>/</a:t>
-            </a:r>
-            <a:r>
-              <a:rPr lang="en-US" sz="1200" dirty="0" err="1"/>
-              <a:t>updateprofile</a:t>
-            </a:r>
-            <a:r>
-              <a:rPr lang="en-US" sz="1200" dirty="0"/>
-              <a:t>-password</a:t>
-            </a:r>
-          </a:p>
-        </p:txBody>
-      </p:sp>
-      <p:sp>
-        <p:nvSpPr>
-          <p:cNvPr id="108" name="Rectangle: Rounded Corners 107">
-            <a:extLst>
-              <a:ext uri="{FF2B5EF4-FFF2-40B4-BE49-F238E27FC236}">
-                <a16:creationId xmlns:a16="http://schemas.microsoft.com/office/drawing/2014/main" id="{14891E33-85AB-D305-3AD3-969508DD8B0D}"/>
-              </a:ext>
-            </a:extLst>
-          </p:cNvPr>
-          <p:cNvSpPr/>
-          <p:nvPr/>
-        </p:nvSpPr>
-        <p:spPr>
-          <a:xfrm>
-            <a:off x="4076770" y="5451707"/>
-            <a:ext cx="1171638" cy="246413"/>
-          </a:xfrm>
-          <a:prstGeom prst="roundRect">
-            <a:avLst/>
-          </a:prstGeom>
-        </p:spPr>
-        <p:style>
-          <a:lnRef idx="2">
-            <a:schemeClr val="accent2"/>
-          </a:lnRef>
-          <a:fillRef idx="1">
-            <a:schemeClr val="lt1"/>
-          </a:fillRef>
-          <a:effectRef idx="0">
-            <a:schemeClr val="accent2"/>
-          </a:effectRef>
-          <a:fontRef idx="minor">
-            <a:schemeClr val="dk1"/>
-          </a:fontRef>
-        </p:style>
-        <p:txBody>
-          <a:bodyPr rtlCol="0" anchor="ctr"/>
-          <a:lstStyle/>
-          <a:p>
-            <a:pPr algn="ctr"/>
-            <a:r>
-              <a:rPr lang="en-US" sz="1200" dirty="0"/>
-              <a:t>/</a:t>
-            </a:r>
-            <a:r>
-              <a:rPr lang="en-US" sz="1200" dirty="0" err="1"/>
-              <a:t>viewcustomer</a:t>
-            </a:r>
-            <a:endParaRPr lang="en-US" sz="1200" dirty="0"/>
-          </a:p>
-        </p:txBody>
-      </p:sp>
+            <a:scrgbClr r="0" g="0" b="0"/>
+          </a:effectRef>
+          <a:fontRef idx="minor">
+            <a:schemeClr val="tx1"/>
+          </a:fontRef>
+        </p:style>
+      </p:cxnSp>
     </p:spTree>
     <p:extLst>
       <p:ext uri="{BB962C8B-B14F-4D97-AF65-F5344CB8AC3E}">
-        <p14:creationId xmlns:p14="http://schemas.microsoft.com/office/powerpoint/2010/main" val="2817963666"/>
+        <p14:creationId xmlns:p14="http://schemas.microsoft.com/office/powerpoint/2010/main" val="2622982176"/>
       </p:ext>
     </p:extLst>
   </p:cSld>
